--- a/pics/framework.pptx
+++ b/pics/framework.pptx
@@ -2,19 +2,19 @@
 <file path=ppt/presentation.xml><?xml version="1.0" encoding="utf-8"?>
 <p:presentation xmlns:a="http://schemas.openxmlformats.org/drawingml/2006/main" xmlns:r="http://schemas.openxmlformats.org/officeDocument/2006/relationships" xmlns:p="http://schemas.openxmlformats.org/presentationml/2006/main" saveSubsetFonts="1">
   <p:sldMasterIdLst>
-    <p:sldMasterId id="2147483708" r:id="rId1"/>
+    <p:sldMasterId id="2147483768" r:id="rId1"/>
   </p:sldMasterIdLst>
   <p:sldIdLst>
     <p:sldId id="259" r:id="rId2"/>
   </p:sldIdLst>
-  <p:sldSz cx="6432550" cy="7577138"/>
+  <p:sldSz cx="5029200" cy="5748338"/>
   <p:notesSz cx="6858000" cy="9144000"/>
   <p:defaultTextStyle>
     <a:defPPr>
       <a:defRPr lang="en-US"/>
     </a:defPPr>
-    <a:lvl1pPr marL="0" algn="l" defTabSz="914400" rtl="0" eaLnBrk="1" latinLnBrk="0" hangingPunct="1">
-      <a:defRPr sz="1800" kern="1200">
+    <a:lvl1pPr marL="0" algn="l" defTabSz="792803" rtl="0" eaLnBrk="1" latinLnBrk="0" hangingPunct="1">
+      <a:defRPr sz="1561" kern="1200">
         <a:solidFill>
           <a:schemeClr val="tx1"/>
         </a:solidFill>
@@ -23,8 +23,8 @@
         <a:cs typeface="+mn-cs"/>
       </a:defRPr>
     </a:lvl1pPr>
-    <a:lvl2pPr marL="457200" algn="l" defTabSz="914400" rtl="0" eaLnBrk="1" latinLnBrk="0" hangingPunct="1">
-      <a:defRPr sz="1800" kern="1200">
+    <a:lvl2pPr marL="396401" algn="l" defTabSz="792803" rtl="0" eaLnBrk="1" latinLnBrk="0" hangingPunct="1">
+      <a:defRPr sz="1561" kern="1200">
         <a:solidFill>
           <a:schemeClr val="tx1"/>
         </a:solidFill>
@@ -33,8 +33,8 @@
         <a:cs typeface="+mn-cs"/>
       </a:defRPr>
     </a:lvl2pPr>
-    <a:lvl3pPr marL="914400" algn="l" defTabSz="914400" rtl="0" eaLnBrk="1" latinLnBrk="0" hangingPunct="1">
-      <a:defRPr sz="1800" kern="1200">
+    <a:lvl3pPr marL="792803" algn="l" defTabSz="792803" rtl="0" eaLnBrk="1" latinLnBrk="0" hangingPunct="1">
+      <a:defRPr sz="1561" kern="1200">
         <a:solidFill>
           <a:schemeClr val="tx1"/>
         </a:solidFill>
@@ -43,8 +43,8 @@
         <a:cs typeface="+mn-cs"/>
       </a:defRPr>
     </a:lvl3pPr>
-    <a:lvl4pPr marL="1371600" algn="l" defTabSz="914400" rtl="0" eaLnBrk="1" latinLnBrk="0" hangingPunct="1">
-      <a:defRPr sz="1800" kern="1200">
+    <a:lvl4pPr marL="1189204" algn="l" defTabSz="792803" rtl="0" eaLnBrk="1" latinLnBrk="0" hangingPunct="1">
+      <a:defRPr sz="1561" kern="1200">
         <a:solidFill>
           <a:schemeClr val="tx1"/>
         </a:solidFill>
@@ -53,8 +53,8 @@
         <a:cs typeface="+mn-cs"/>
       </a:defRPr>
     </a:lvl4pPr>
-    <a:lvl5pPr marL="1828800" algn="l" defTabSz="914400" rtl="0" eaLnBrk="1" latinLnBrk="0" hangingPunct="1">
-      <a:defRPr sz="1800" kern="1200">
+    <a:lvl5pPr marL="1585605" algn="l" defTabSz="792803" rtl="0" eaLnBrk="1" latinLnBrk="0" hangingPunct="1">
+      <a:defRPr sz="1561" kern="1200">
         <a:solidFill>
           <a:schemeClr val="tx1"/>
         </a:solidFill>
@@ -63,8 +63,8 @@
         <a:cs typeface="+mn-cs"/>
       </a:defRPr>
     </a:lvl5pPr>
-    <a:lvl6pPr marL="2286000" algn="l" defTabSz="914400" rtl="0" eaLnBrk="1" latinLnBrk="0" hangingPunct="1">
-      <a:defRPr sz="1800" kern="1200">
+    <a:lvl6pPr marL="1982007" algn="l" defTabSz="792803" rtl="0" eaLnBrk="1" latinLnBrk="0" hangingPunct="1">
+      <a:defRPr sz="1561" kern="1200">
         <a:solidFill>
           <a:schemeClr val="tx1"/>
         </a:solidFill>
@@ -73,8 +73,8 @@
         <a:cs typeface="+mn-cs"/>
       </a:defRPr>
     </a:lvl6pPr>
-    <a:lvl7pPr marL="2743200" algn="l" defTabSz="914400" rtl="0" eaLnBrk="1" latinLnBrk="0" hangingPunct="1">
-      <a:defRPr sz="1800" kern="1200">
+    <a:lvl7pPr marL="2378408" algn="l" defTabSz="792803" rtl="0" eaLnBrk="1" latinLnBrk="0" hangingPunct="1">
+      <a:defRPr sz="1561" kern="1200">
         <a:solidFill>
           <a:schemeClr val="tx1"/>
         </a:solidFill>
@@ -83,8 +83,8 @@
         <a:cs typeface="+mn-cs"/>
       </a:defRPr>
     </a:lvl7pPr>
-    <a:lvl8pPr marL="3200400" algn="l" defTabSz="914400" rtl="0" eaLnBrk="1" latinLnBrk="0" hangingPunct="1">
-      <a:defRPr sz="1800" kern="1200">
+    <a:lvl8pPr marL="2774810" algn="l" defTabSz="792803" rtl="0" eaLnBrk="1" latinLnBrk="0" hangingPunct="1">
+      <a:defRPr sz="1561" kern="1200">
         <a:solidFill>
           <a:schemeClr val="tx1"/>
         </a:solidFill>
@@ -93,8 +93,8 @@
         <a:cs typeface="+mn-cs"/>
       </a:defRPr>
     </a:lvl8pPr>
-    <a:lvl9pPr marL="3657600" algn="l" defTabSz="914400" rtl="0" eaLnBrk="1" latinLnBrk="0" hangingPunct="1">
-      <a:defRPr sz="1800" kern="1200">
+    <a:lvl9pPr marL="3171211" algn="l" defTabSz="792803" rtl="0" eaLnBrk="1" latinLnBrk="0" hangingPunct="1">
+      <a:defRPr sz="1561" kern="1200">
         <a:solidFill>
           <a:schemeClr val="tx1"/>
         </a:solidFill>
@@ -114,7 +114,7 @@
 
 <file path=ppt/slideLayouts/slideLayout1.xml><?xml version="1.0" encoding="utf-8"?>
 <p:sldLayout xmlns:a="http://schemas.openxmlformats.org/drawingml/2006/main" xmlns:r="http://schemas.openxmlformats.org/officeDocument/2006/relationships" xmlns:p="http://schemas.openxmlformats.org/presentationml/2006/main" type="title" preserve="1">
-  <p:cSld name="标题幻灯片">
+  <p:cSld name="Title Slide">
     <p:spTree>
       <p:nvGrpSpPr>
         <p:cNvPr id="1" name=""/>
@@ -141,21 +141,21 @@
         </p:nvSpPr>
         <p:spPr>
           <a:xfrm>
-            <a:off x="482441" y="1240055"/>
-            <a:ext cx="5467668" cy="2637967"/>
+            <a:off x="377190" y="940759"/>
+            <a:ext cx="4274820" cy="2001273"/>
           </a:xfrm>
         </p:spPr>
         <p:txBody>
           <a:bodyPr anchor="b"/>
           <a:lstStyle>
             <a:lvl1pPr algn="ctr">
-              <a:defRPr sz="4221"/>
+              <a:defRPr sz="3300"/>
             </a:lvl1pPr>
           </a:lstStyle>
           <a:p>
             <a:r>
-              <a:rPr lang="zh-CN" altLang="en-US" smtClean="0"/>
-              <a:t>单击此处编辑母版标题样式</a:t>
+              <a:rPr lang="en-US" smtClean="0"/>
+              <a:t>Click to edit Master title style</a:t>
             </a:r>
             <a:endParaRPr lang="en-US" dirty="0"/>
           </a:p>
@@ -173,8 +173,8 @@
         </p:nvSpPr>
         <p:spPr>
           <a:xfrm>
-            <a:off x="804069" y="3979752"/>
-            <a:ext cx="4824413" cy="1829387"/>
+            <a:off x="628650" y="3019208"/>
+            <a:ext cx="3771900" cy="1387851"/>
           </a:xfrm>
         </p:spPr>
         <p:txBody>
@@ -182,45 +182,45 @@
           <a:lstStyle>
             <a:lvl1pPr marL="0" indent="0" algn="ctr">
               <a:buNone/>
-              <a:defRPr sz="1688"/>
+              <a:defRPr sz="1320"/>
             </a:lvl1pPr>
-            <a:lvl2pPr marL="321640" indent="0" algn="ctr">
-              <a:buNone/>
-              <a:defRPr sz="1407"/>
+            <a:lvl2pPr marL="251460" indent="0" algn="ctr">
+              <a:buNone/>
+              <a:defRPr sz="1100"/>
             </a:lvl2pPr>
-            <a:lvl3pPr marL="643280" indent="0" algn="ctr">
-              <a:buNone/>
-              <a:defRPr sz="1266"/>
+            <a:lvl3pPr marL="502920" indent="0" algn="ctr">
+              <a:buNone/>
+              <a:defRPr sz="990"/>
             </a:lvl3pPr>
-            <a:lvl4pPr marL="964921" indent="0" algn="ctr">
-              <a:buNone/>
-              <a:defRPr sz="1126"/>
+            <a:lvl4pPr marL="754380" indent="0" algn="ctr">
+              <a:buNone/>
+              <a:defRPr sz="880"/>
             </a:lvl4pPr>
-            <a:lvl5pPr marL="1286561" indent="0" algn="ctr">
-              <a:buNone/>
-              <a:defRPr sz="1126"/>
+            <a:lvl5pPr marL="1005840" indent="0" algn="ctr">
+              <a:buNone/>
+              <a:defRPr sz="880"/>
             </a:lvl5pPr>
-            <a:lvl6pPr marL="1608201" indent="0" algn="ctr">
-              <a:buNone/>
-              <a:defRPr sz="1126"/>
+            <a:lvl6pPr marL="1257300" indent="0" algn="ctr">
+              <a:buNone/>
+              <a:defRPr sz="880"/>
             </a:lvl6pPr>
-            <a:lvl7pPr marL="1929841" indent="0" algn="ctr">
-              <a:buNone/>
-              <a:defRPr sz="1126"/>
+            <a:lvl7pPr marL="1508760" indent="0" algn="ctr">
+              <a:buNone/>
+              <a:defRPr sz="880"/>
             </a:lvl7pPr>
-            <a:lvl8pPr marL="2251481" indent="0" algn="ctr">
-              <a:buNone/>
-              <a:defRPr sz="1126"/>
+            <a:lvl8pPr marL="1760220" indent="0" algn="ctr">
+              <a:buNone/>
+              <a:defRPr sz="880"/>
             </a:lvl8pPr>
-            <a:lvl9pPr marL="2573122" indent="0" algn="ctr">
-              <a:buNone/>
-              <a:defRPr sz="1126"/>
+            <a:lvl9pPr marL="2011680" indent="0" algn="ctr">
+              <a:buNone/>
+              <a:defRPr sz="880"/>
             </a:lvl9pPr>
           </a:lstStyle>
           <a:p>
             <a:r>
-              <a:rPr lang="zh-CN" altLang="en-US" smtClean="0"/>
-              <a:t>单击以编辑母版副标题样式</a:t>
+              <a:rPr lang="en-US" smtClean="0"/>
+              <a:t>Click to edit Master subtitle style</a:t>
             </a:r>
             <a:endParaRPr lang="en-US" dirty="0"/>
           </a:p>
@@ -243,7 +243,7 @@
           <a:p>
             <a:fld id="{08760587-67CE-4E80-B3C6-EE43523D24AC}" type="datetimeFigureOut">
               <a:rPr lang="en-US" smtClean="0"/>
-              <a:t>1/1/2019</a:t>
+              <a:t>1/3/2019</a:t>
             </a:fld>
             <a:endParaRPr lang="en-US"/>
           </a:p>
@@ -294,7 +294,7 @@
     </p:spTree>
     <p:extLst>
       <p:ext uri="{BB962C8B-B14F-4D97-AF65-F5344CB8AC3E}">
-        <p14:creationId xmlns:p14="http://schemas.microsoft.com/office/powerpoint/2010/main" val="1656598575"/>
+        <p14:creationId xmlns:p14="http://schemas.microsoft.com/office/powerpoint/2010/main" val="1053464151"/>
       </p:ext>
     </p:extLst>
   </p:cSld>
@@ -306,7 +306,7 @@
 
 <file path=ppt/slideLayouts/slideLayout10.xml><?xml version="1.0" encoding="utf-8"?>
 <p:sldLayout xmlns:a="http://schemas.openxmlformats.org/drawingml/2006/main" xmlns:r="http://schemas.openxmlformats.org/officeDocument/2006/relationships" xmlns:p="http://schemas.openxmlformats.org/presentationml/2006/main" type="vertTx" preserve="1">
-  <p:cSld name="标题和竖排文字">
+  <p:cSld name="Title and Vertical Text">
     <p:spTree>
       <p:nvGrpSpPr>
         <p:cNvPr id="1" name=""/>
@@ -337,8 +337,8 @@
           <a:lstStyle/>
           <a:p>
             <a:r>
-              <a:rPr lang="zh-CN" altLang="en-US" smtClean="0"/>
-              <a:t>单击此处编辑母版标题样式</a:t>
+              <a:rPr lang="en-US" smtClean="0"/>
+              <a:t>Click to edit Master title style</a:t>
             </a:r>
             <a:endParaRPr lang="en-US" dirty="0"/>
           </a:p>
@@ -361,36 +361,36 @@
           <a:p>
             <a:pPr lvl="0"/>
             <a:r>
-              <a:rPr lang="zh-CN" altLang="en-US" smtClean="0"/>
-              <a:t>编辑母版文本样式</a:t>
+              <a:rPr lang="en-US" smtClean="0"/>
+              <a:t>Edit Master text styles</a:t>
             </a:r>
           </a:p>
           <a:p>
             <a:pPr lvl="1"/>
             <a:r>
-              <a:rPr lang="zh-CN" altLang="en-US" smtClean="0"/>
-              <a:t>第二级</a:t>
+              <a:rPr lang="en-US" smtClean="0"/>
+              <a:t>Second level</a:t>
             </a:r>
           </a:p>
           <a:p>
             <a:pPr lvl="2"/>
             <a:r>
-              <a:rPr lang="zh-CN" altLang="en-US" smtClean="0"/>
-              <a:t>第三级</a:t>
+              <a:rPr lang="en-US" smtClean="0"/>
+              <a:t>Third level</a:t>
             </a:r>
           </a:p>
           <a:p>
             <a:pPr lvl="3"/>
             <a:r>
-              <a:rPr lang="zh-CN" altLang="en-US" smtClean="0"/>
-              <a:t>第四级</a:t>
+              <a:rPr lang="en-US" smtClean="0"/>
+              <a:t>Fourth level</a:t>
             </a:r>
           </a:p>
           <a:p>
             <a:pPr lvl="4"/>
             <a:r>
-              <a:rPr lang="zh-CN" altLang="en-US" smtClean="0"/>
-              <a:t>第五级</a:t>
+              <a:rPr lang="en-US" smtClean="0"/>
+              <a:t>Fifth level</a:t>
             </a:r>
             <a:endParaRPr lang="en-US" dirty="0"/>
           </a:p>
@@ -413,7 +413,7 @@
           <a:p>
             <a:fld id="{08760587-67CE-4E80-B3C6-EE43523D24AC}" type="datetimeFigureOut">
               <a:rPr lang="en-US" smtClean="0"/>
-              <a:t>1/1/2019</a:t>
+              <a:t>1/3/2019</a:t>
             </a:fld>
             <a:endParaRPr lang="en-US"/>
           </a:p>
@@ -464,7 +464,7 @@
     </p:spTree>
     <p:extLst>
       <p:ext uri="{BB962C8B-B14F-4D97-AF65-F5344CB8AC3E}">
-        <p14:creationId xmlns:p14="http://schemas.microsoft.com/office/powerpoint/2010/main" val="331820582"/>
+        <p14:creationId xmlns:p14="http://schemas.microsoft.com/office/powerpoint/2010/main" val="550004066"/>
       </p:ext>
     </p:extLst>
   </p:cSld>
@@ -476,7 +476,7 @@
 
 <file path=ppt/slideLayouts/slideLayout11.xml><?xml version="1.0" encoding="utf-8"?>
 <p:sldLayout xmlns:a="http://schemas.openxmlformats.org/drawingml/2006/main" xmlns:r="http://schemas.openxmlformats.org/officeDocument/2006/relationships" xmlns:p="http://schemas.openxmlformats.org/presentationml/2006/main" type="vertTitleAndTx" preserve="1">
-  <p:cSld name="竖排标题与文本">
+  <p:cSld name="Vertical Title and Text">
     <p:spTree>
       <p:nvGrpSpPr>
         <p:cNvPr id="1" name=""/>
@@ -503,8 +503,8 @@
         </p:nvSpPr>
         <p:spPr>
           <a:xfrm>
-            <a:off x="4603294" y="403413"/>
-            <a:ext cx="1387019" cy="6421274"/>
+            <a:off x="3599022" y="306046"/>
+            <a:ext cx="1084421" cy="4871451"/>
           </a:xfrm>
         </p:spPr>
         <p:txBody>
@@ -512,8 +512,8 @@
           <a:lstStyle/>
           <a:p>
             <a:r>
-              <a:rPr lang="zh-CN" altLang="en-US" smtClean="0"/>
-              <a:t>单击此处编辑母版标题样式</a:t>
+              <a:rPr lang="en-US" smtClean="0"/>
+              <a:t>Click to edit Master title style</a:t>
             </a:r>
             <a:endParaRPr lang="en-US" dirty="0"/>
           </a:p>
@@ -531,8 +531,8 @@
         </p:nvSpPr>
         <p:spPr>
           <a:xfrm>
-            <a:off x="442238" y="403413"/>
-            <a:ext cx="4080649" cy="6421274"/>
+            <a:off x="345758" y="306046"/>
+            <a:ext cx="3190399" cy="4871451"/>
           </a:xfrm>
         </p:spPr>
         <p:txBody>
@@ -541,36 +541,36 @@
           <a:p>
             <a:pPr lvl="0"/>
             <a:r>
-              <a:rPr lang="zh-CN" altLang="en-US" smtClean="0"/>
-              <a:t>编辑母版文本样式</a:t>
+              <a:rPr lang="en-US" smtClean="0"/>
+              <a:t>Edit Master text styles</a:t>
             </a:r>
           </a:p>
           <a:p>
             <a:pPr lvl="1"/>
             <a:r>
-              <a:rPr lang="zh-CN" altLang="en-US" smtClean="0"/>
-              <a:t>第二级</a:t>
+              <a:rPr lang="en-US" smtClean="0"/>
+              <a:t>Second level</a:t>
             </a:r>
           </a:p>
           <a:p>
             <a:pPr lvl="2"/>
             <a:r>
-              <a:rPr lang="zh-CN" altLang="en-US" smtClean="0"/>
-              <a:t>第三级</a:t>
+              <a:rPr lang="en-US" smtClean="0"/>
+              <a:t>Third level</a:t>
             </a:r>
           </a:p>
           <a:p>
             <a:pPr lvl="3"/>
             <a:r>
-              <a:rPr lang="zh-CN" altLang="en-US" smtClean="0"/>
-              <a:t>第四级</a:t>
+              <a:rPr lang="en-US" smtClean="0"/>
+              <a:t>Fourth level</a:t>
             </a:r>
           </a:p>
           <a:p>
             <a:pPr lvl="4"/>
             <a:r>
-              <a:rPr lang="zh-CN" altLang="en-US" smtClean="0"/>
-              <a:t>第五级</a:t>
+              <a:rPr lang="en-US" smtClean="0"/>
+              <a:t>Fifth level</a:t>
             </a:r>
             <a:endParaRPr lang="en-US" dirty="0"/>
           </a:p>
@@ -593,7 +593,7 @@
           <a:p>
             <a:fld id="{08760587-67CE-4E80-B3C6-EE43523D24AC}" type="datetimeFigureOut">
               <a:rPr lang="en-US" smtClean="0"/>
-              <a:t>1/1/2019</a:t>
+              <a:t>1/3/2019</a:t>
             </a:fld>
             <a:endParaRPr lang="en-US"/>
           </a:p>
@@ -644,7 +644,7 @@
     </p:spTree>
     <p:extLst>
       <p:ext uri="{BB962C8B-B14F-4D97-AF65-F5344CB8AC3E}">
-        <p14:creationId xmlns:p14="http://schemas.microsoft.com/office/powerpoint/2010/main" val="3656309487"/>
+        <p14:creationId xmlns:p14="http://schemas.microsoft.com/office/powerpoint/2010/main" val="1413674754"/>
       </p:ext>
     </p:extLst>
   </p:cSld>
@@ -656,7 +656,7 @@
 
 <file path=ppt/slideLayouts/slideLayout2.xml><?xml version="1.0" encoding="utf-8"?>
 <p:sldLayout xmlns:a="http://schemas.openxmlformats.org/drawingml/2006/main" xmlns:r="http://schemas.openxmlformats.org/officeDocument/2006/relationships" xmlns:p="http://schemas.openxmlformats.org/presentationml/2006/main" type="obj" preserve="1">
-  <p:cSld name="标题和内容">
+  <p:cSld name="Title and Content">
     <p:spTree>
       <p:nvGrpSpPr>
         <p:cNvPr id="1" name=""/>
@@ -687,8 +687,8 @@
           <a:lstStyle/>
           <a:p>
             <a:r>
-              <a:rPr lang="zh-CN" altLang="en-US" smtClean="0"/>
-              <a:t>单击此处编辑母版标题样式</a:t>
+              <a:rPr lang="en-US" smtClean="0"/>
+              <a:t>Click to edit Master title style</a:t>
             </a:r>
             <a:endParaRPr lang="en-US" dirty="0"/>
           </a:p>
@@ -711,36 +711,36 @@
           <a:p>
             <a:pPr lvl="0"/>
             <a:r>
-              <a:rPr lang="zh-CN" altLang="en-US" smtClean="0"/>
-              <a:t>编辑母版文本样式</a:t>
+              <a:rPr lang="en-US" smtClean="0"/>
+              <a:t>Edit Master text styles</a:t>
             </a:r>
           </a:p>
           <a:p>
             <a:pPr lvl="1"/>
             <a:r>
-              <a:rPr lang="zh-CN" altLang="en-US" smtClean="0"/>
-              <a:t>第二级</a:t>
+              <a:rPr lang="en-US" smtClean="0"/>
+              <a:t>Second level</a:t>
             </a:r>
           </a:p>
           <a:p>
             <a:pPr lvl="2"/>
             <a:r>
-              <a:rPr lang="zh-CN" altLang="en-US" smtClean="0"/>
-              <a:t>第三级</a:t>
+              <a:rPr lang="en-US" smtClean="0"/>
+              <a:t>Third level</a:t>
             </a:r>
           </a:p>
           <a:p>
             <a:pPr lvl="3"/>
             <a:r>
-              <a:rPr lang="zh-CN" altLang="en-US" smtClean="0"/>
-              <a:t>第四级</a:t>
+              <a:rPr lang="en-US" smtClean="0"/>
+              <a:t>Fourth level</a:t>
             </a:r>
           </a:p>
           <a:p>
             <a:pPr lvl="4"/>
             <a:r>
-              <a:rPr lang="zh-CN" altLang="en-US" smtClean="0"/>
-              <a:t>第五级</a:t>
+              <a:rPr lang="en-US" smtClean="0"/>
+              <a:t>Fifth level</a:t>
             </a:r>
             <a:endParaRPr lang="en-US" dirty="0"/>
           </a:p>
@@ -763,7 +763,7 @@
           <a:p>
             <a:fld id="{08760587-67CE-4E80-B3C6-EE43523D24AC}" type="datetimeFigureOut">
               <a:rPr lang="en-US" smtClean="0"/>
-              <a:t>1/1/2019</a:t>
+              <a:t>1/3/2019</a:t>
             </a:fld>
             <a:endParaRPr lang="en-US"/>
           </a:p>
@@ -814,7 +814,7 @@
     </p:spTree>
     <p:extLst>
       <p:ext uri="{BB962C8B-B14F-4D97-AF65-F5344CB8AC3E}">
-        <p14:creationId xmlns:p14="http://schemas.microsoft.com/office/powerpoint/2010/main" val="3547733930"/>
+        <p14:creationId xmlns:p14="http://schemas.microsoft.com/office/powerpoint/2010/main" val="2539570275"/>
       </p:ext>
     </p:extLst>
   </p:cSld>
@@ -826,7 +826,7 @@
 
 <file path=ppt/slideLayouts/slideLayout3.xml><?xml version="1.0" encoding="utf-8"?>
 <p:sldLayout xmlns:a="http://schemas.openxmlformats.org/drawingml/2006/main" xmlns:r="http://schemas.openxmlformats.org/officeDocument/2006/relationships" xmlns:p="http://schemas.openxmlformats.org/presentationml/2006/main" type="secHead" preserve="1">
-  <p:cSld name="节标题">
+  <p:cSld name="Section Header">
     <p:spTree>
       <p:nvGrpSpPr>
         <p:cNvPr id="1" name=""/>
@@ -853,21 +853,21 @@
         </p:nvSpPr>
         <p:spPr>
           <a:xfrm>
-            <a:off x="438888" y="1889025"/>
-            <a:ext cx="5548074" cy="3151878"/>
+            <a:off x="343138" y="1433094"/>
+            <a:ext cx="4337685" cy="2391149"/>
           </a:xfrm>
         </p:spPr>
         <p:txBody>
           <a:bodyPr anchor="b"/>
           <a:lstStyle>
             <a:lvl1pPr>
-              <a:defRPr sz="4221"/>
+              <a:defRPr sz="3300"/>
             </a:lvl1pPr>
           </a:lstStyle>
           <a:p>
             <a:r>
-              <a:rPr lang="zh-CN" altLang="en-US" smtClean="0"/>
-              <a:t>单击此处编辑母版标题样式</a:t>
+              <a:rPr lang="en-US" smtClean="0"/>
+              <a:t>Click to edit Master title style</a:t>
             </a:r>
             <a:endParaRPr lang="en-US" dirty="0"/>
           </a:p>
@@ -885,8 +885,8 @@
         </p:nvSpPr>
         <p:spPr>
           <a:xfrm>
-            <a:off x="438888" y="5070721"/>
-            <a:ext cx="5548074" cy="1657498"/>
+            <a:off x="343138" y="3846864"/>
+            <a:ext cx="4337685" cy="1257449"/>
           </a:xfrm>
         </p:spPr>
         <p:txBody>
@@ -894,15 +894,15 @@
           <a:lstStyle>
             <a:lvl1pPr marL="0" indent="0">
               <a:buNone/>
-              <a:defRPr sz="1688">
+              <a:defRPr sz="1320">
                 <a:solidFill>
                   <a:schemeClr val="tx1"/>
                 </a:solidFill>
               </a:defRPr>
             </a:lvl1pPr>
-            <a:lvl2pPr marL="321640" indent="0">
-              <a:buNone/>
-              <a:defRPr sz="1407">
+            <a:lvl2pPr marL="251460" indent="0">
+              <a:buNone/>
+              <a:defRPr sz="1100">
                 <a:solidFill>
                   <a:schemeClr val="tx1">
                     <a:tint val="75000"/>
@@ -910,9 +910,9 @@
                 </a:solidFill>
               </a:defRPr>
             </a:lvl2pPr>
-            <a:lvl3pPr marL="643280" indent="0">
-              <a:buNone/>
-              <a:defRPr sz="1266">
+            <a:lvl3pPr marL="502920" indent="0">
+              <a:buNone/>
+              <a:defRPr sz="990">
                 <a:solidFill>
                   <a:schemeClr val="tx1">
                     <a:tint val="75000"/>
@@ -920,9 +920,9 @@
                 </a:solidFill>
               </a:defRPr>
             </a:lvl3pPr>
-            <a:lvl4pPr marL="964921" indent="0">
-              <a:buNone/>
-              <a:defRPr sz="1126">
+            <a:lvl4pPr marL="754380" indent="0">
+              <a:buNone/>
+              <a:defRPr sz="880">
                 <a:solidFill>
                   <a:schemeClr val="tx1">
                     <a:tint val="75000"/>
@@ -930,9 +930,9 @@
                 </a:solidFill>
               </a:defRPr>
             </a:lvl4pPr>
-            <a:lvl5pPr marL="1286561" indent="0">
-              <a:buNone/>
-              <a:defRPr sz="1126">
+            <a:lvl5pPr marL="1005840" indent="0">
+              <a:buNone/>
+              <a:defRPr sz="880">
                 <a:solidFill>
                   <a:schemeClr val="tx1">
                     <a:tint val="75000"/>
@@ -940,9 +940,9 @@
                 </a:solidFill>
               </a:defRPr>
             </a:lvl5pPr>
-            <a:lvl6pPr marL="1608201" indent="0">
-              <a:buNone/>
-              <a:defRPr sz="1126">
+            <a:lvl6pPr marL="1257300" indent="0">
+              <a:buNone/>
+              <a:defRPr sz="880">
                 <a:solidFill>
                   <a:schemeClr val="tx1">
                     <a:tint val="75000"/>
@@ -950,9 +950,9 @@
                 </a:solidFill>
               </a:defRPr>
             </a:lvl6pPr>
-            <a:lvl7pPr marL="1929841" indent="0">
-              <a:buNone/>
-              <a:defRPr sz="1126">
+            <a:lvl7pPr marL="1508760" indent="0">
+              <a:buNone/>
+              <a:defRPr sz="880">
                 <a:solidFill>
                   <a:schemeClr val="tx1">
                     <a:tint val="75000"/>
@@ -960,9 +960,9 @@
                 </a:solidFill>
               </a:defRPr>
             </a:lvl7pPr>
-            <a:lvl8pPr marL="2251481" indent="0">
-              <a:buNone/>
-              <a:defRPr sz="1126">
+            <a:lvl8pPr marL="1760220" indent="0">
+              <a:buNone/>
+              <a:defRPr sz="880">
                 <a:solidFill>
                   <a:schemeClr val="tx1">
                     <a:tint val="75000"/>
@@ -970,9 +970,9 @@
                 </a:solidFill>
               </a:defRPr>
             </a:lvl8pPr>
-            <a:lvl9pPr marL="2573122" indent="0">
-              <a:buNone/>
-              <a:defRPr sz="1126">
+            <a:lvl9pPr marL="2011680" indent="0">
+              <a:buNone/>
+              <a:defRPr sz="880">
                 <a:solidFill>
                   <a:schemeClr val="tx1">
                     <a:tint val="75000"/>
@@ -984,8 +984,8 @@
           <a:p>
             <a:pPr lvl="0"/>
             <a:r>
-              <a:rPr lang="zh-CN" altLang="en-US" smtClean="0"/>
-              <a:t>编辑母版文本样式</a:t>
+              <a:rPr lang="en-US" smtClean="0"/>
+              <a:t>Edit Master text styles</a:t>
             </a:r>
           </a:p>
         </p:txBody>
@@ -1007,7 +1007,7 @@
           <a:p>
             <a:fld id="{08760587-67CE-4E80-B3C6-EE43523D24AC}" type="datetimeFigureOut">
               <a:rPr lang="en-US" smtClean="0"/>
-              <a:t>1/1/2019</a:t>
+              <a:t>1/3/2019</a:t>
             </a:fld>
             <a:endParaRPr lang="en-US"/>
           </a:p>
@@ -1058,7 +1058,7 @@
     </p:spTree>
     <p:extLst>
       <p:ext uri="{BB962C8B-B14F-4D97-AF65-F5344CB8AC3E}">
-        <p14:creationId xmlns:p14="http://schemas.microsoft.com/office/powerpoint/2010/main" val="31863931"/>
+        <p14:creationId xmlns:p14="http://schemas.microsoft.com/office/powerpoint/2010/main" val="4127932975"/>
       </p:ext>
     </p:extLst>
   </p:cSld>
@@ -1070,7 +1070,7 @@
 
 <file path=ppt/slideLayouts/slideLayout4.xml><?xml version="1.0" encoding="utf-8"?>
 <p:sldLayout xmlns:a="http://schemas.openxmlformats.org/drawingml/2006/main" xmlns:r="http://schemas.openxmlformats.org/officeDocument/2006/relationships" xmlns:p="http://schemas.openxmlformats.org/presentationml/2006/main" type="twoObj" preserve="1">
-  <p:cSld name="两栏内容">
+  <p:cSld name="Two Content">
     <p:spTree>
       <p:nvGrpSpPr>
         <p:cNvPr id="1" name=""/>
@@ -1101,8 +1101,8 @@
           <a:lstStyle/>
           <a:p>
             <a:r>
-              <a:rPr lang="zh-CN" altLang="en-US" smtClean="0"/>
-              <a:t>单击此处编辑母版标题样式</a:t>
+              <a:rPr lang="en-US" smtClean="0"/>
+              <a:t>Click to edit Master title style</a:t>
             </a:r>
             <a:endParaRPr lang="en-US" dirty="0"/>
           </a:p>
@@ -1120,8 +1120,8 @@
         </p:nvSpPr>
         <p:spPr>
           <a:xfrm>
-            <a:off x="442238" y="2017062"/>
-            <a:ext cx="2733834" cy="4807624"/>
+            <a:off x="345758" y="1530229"/>
+            <a:ext cx="2137410" cy="3647268"/>
           </a:xfrm>
         </p:spPr>
         <p:txBody>
@@ -1130,36 +1130,36 @@
           <a:p>
             <a:pPr lvl="0"/>
             <a:r>
-              <a:rPr lang="zh-CN" altLang="en-US" smtClean="0"/>
-              <a:t>编辑母版文本样式</a:t>
+              <a:rPr lang="en-US" smtClean="0"/>
+              <a:t>Edit Master text styles</a:t>
             </a:r>
           </a:p>
           <a:p>
             <a:pPr lvl="1"/>
             <a:r>
-              <a:rPr lang="zh-CN" altLang="en-US" smtClean="0"/>
-              <a:t>第二级</a:t>
+              <a:rPr lang="en-US" smtClean="0"/>
+              <a:t>Second level</a:t>
             </a:r>
           </a:p>
           <a:p>
             <a:pPr lvl="2"/>
             <a:r>
-              <a:rPr lang="zh-CN" altLang="en-US" smtClean="0"/>
-              <a:t>第三级</a:t>
+              <a:rPr lang="en-US" smtClean="0"/>
+              <a:t>Third level</a:t>
             </a:r>
           </a:p>
           <a:p>
             <a:pPr lvl="3"/>
             <a:r>
-              <a:rPr lang="zh-CN" altLang="en-US" smtClean="0"/>
-              <a:t>第四级</a:t>
+              <a:rPr lang="en-US" smtClean="0"/>
+              <a:t>Fourth level</a:t>
             </a:r>
           </a:p>
           <a:p>
             <a:pPr lvl="4"/>
             <a:r>
-              <a:rPr lang="zh-CN" altLang="en-US" smtClean="0"/>
-              <a:t>第五级</a:t>
+              <a:rPr lang="en-US" smtClean="0"/>
+              <a:t>Fifth level</a:t>
             </a:r>
             <a:endParaRPr lang="en-US" dirty="0"/>
           </a:p>
@@ -1177,8 +1177,8 @@
         </p:nvSpPr>
         <p:spPr>
           <a:xfrm>
-            <a:off x="3256478" y="2017062"/>
-            <a:ext cx="2733834" cy="4807624"/>
+            <a:off x="2546033" y="1530229"/>
+            <a:ext cx="2137410" cy="3647268"/>
           </a:xfrm>
         </p:spPr>
         <p:txBody>
@@ -1187,36 +1187,36 @@
           <a:p>
             <a:pPr lvl="0"/>
             <a:r>
-              <a:rPr lang="zh-CN" altLang="en-US" smtClean="0"/>
-              <a:t>编辑母版文本样式</a:t>
+              <a:rPr lang="en-US" smtClean="0"/>
+              <a:t>Edit Master text styles</a:t>
             </a:r>
           </a:p>
           <a:p>
             <a:pPr lvl="1"/>
             <a:r>
-              <a:rPr lang="zh-CN" altLang="en-US" smtClean="0"/>
-              <a:t>第二级</a:t>
+              <a:rPr lang="en-US" smtClean="0"/>
+              <a:t>Second level</a:t>
             </a:r>
           </a:p>
           <a:p>
             <a:pPr lvl="2"/>
             <a:r>
-              <a:rPr lang="zh-CN" altLang="en-US" smtClean="0"/>
-              <a:t>第三级</a:t>
+              <a:rPr lang="en-US" smtClean="0"/>
+              <a:t>Third level</a:t>
             </a:r>
           </a:p>
           <a:p>
             <a:pPr lvl="3"/>
             <a:r>
-              <a:rPr lang="zh-CN" altLang="en-US" smtClean="0"/>
-              <a:t>第四级</a:t>
+              <a:rPr lang="en-US" smtClean="0"/>
+              <a:t>Fourth level</a:t>
             </a:r>
           </a:p>
           <a:p>
             <a:pPr lvl="4"/>
             <a:r>
-              <a:rPr lang="zh-CN" altLang="en-US" smtClean="0"/>
-              <a:t>第五级</a:t>
+              <a:rPr lang="en-US" smtClean="0"/>
+              <a:t>Fifth level</a:t>
             </a:r>
             <a:endParaRPr lang="en-US" dirty="0"/>
           </a:p>
@@ -1239,7 +1239,7 @@
           <a:p>
             <a:fld id="{08760587-67CE-4E80-B3C6-EE43523D24AC}" type="datetimeFigureOut">
               <a:rPr lang="en-US" smtClean="0"/>
-              <a:t>1/1/2019</a:t>
+              <a:t>1/3/2019</a:t>
             </a:fld>
             <a:endParaRPr lang="en-US"/>
           </a:p>
@@ -1290,7 +1290,7 @@
     </p:spTree>
     <p:extLst>
       <p:ext uri="{BB962C8B-B14F-4D97-AF65-F5344CB8AC3E}">
-        <p14:creationId xmlns:p14="http://schemas.microsoft.com/office/powerpoint/2010/main" val="1920879676"/>
+        <p14:creationId xmlns:p14="http://schemas.microsoft.com/office/powerpoint/2010/main" val="3570859116"/>
       </p:ext>
     </p:extLst>
   </p:cSld>
@@ -1302,7 +1302,7 @@
 
 <file path=ppt/slideLayouts/slideLayout5.xml><?xml version="1.0" encoding="utf-8"?>
 <p:sldLayout xmlns:a="http://schemas.openxmlformats.org/drawingml/2006/main" xmlns:r="http://schemas.openxmlformats.org/officeDocument/2006/relationships" xmlns:p="http://schemas.openxmlformats.org/presentationml/2006/main" type="twoTxTwoObj" preserve="1">
-  <p:cSld name="比较">
+  <p:cSld name="Comparison">
     <p:spTree>
       <p:nvGrpSpPr>
         <p:cNvPr id="1" name=""/>
@@ -1329,8 +1329,8 @@
         </p:nvSpPr>
         <p:spPr>
           <a:xfrm>
-            <a:off x="443076" y="403414"/>
-            <a:ext cx="5548074" cy="1464563"/>
+            <a:off x="346413" y="306047"/>
+            <a:ext cx="4337685" cy="1111080"/>
           </a:xfrm>
         </p:spPr>
         <p:txBody>
@@ -1338,8 +1338,8 @@
           <a:lstStyle/>
           <a:p>
             <a:r>
-              <a:rPr lang="zh-CN" altLang="en-US" smtClean="0"/>
-              <a:t>单击此处编辑母版标题样式</a:t>
+              <a:rPr lang="en-US" smtClean="0"/>
+              <a:t>Click to edit Master title style</a:t>
             </a:r>
             <a:endParaRPr lang="en-US" dirty="0"/>
           </a:p>
@@ -1357,8 +1357,8 @@
         </p:nvSpPr>
         <p:spPr>
           <a:xfrm>
-            <a:off x="443076" y="1857452"/>
-            <a:ext cx="2721270" cy="910308"/>
+            <a:off x="346413" y="1409141"/>
+            <a:ext cx="2127587" cy="690599"/>
           </a:xfrm>
         </p:spPr>
         <p:txBody>
@@ -1366,46 +1366,46 @@
           <a:lstStyle>
             <a:lvl1pPr marL="0" indent="0">
               <a:buNone/>
-              <a:defRPr sz="1688" b="1"/>
+              <a:defRPr sz="1320" b="1"/>
             </a:lvl1pPr>
-            <a:lvl2pPr marL="321640" indent="0">
-              <a:buNone/>
-              <a:defRPr sz="1407" b="1"/>
+            <a:lvl2pPr marL="251460" indent="0">
+              <a:buNone/>
+              <a:defRPr sz="1100" b="1"/>
             </a:lvl2pPr>
-            <a:lvl3pPr marL="643280" indent="0">
-              <a:buNone/>
-              <a:defRPr sz="1266" b="1"/>
+            <a:lvl3pPr marL="502920" indent="0">
+              <a:buNone/>
+              <a:defRPr sz="990" b="1"/>
             </a:lvl3pPr>
-            <a:lvl4pPr marL="964921" indent="0">
-              <a:buNone/>
-              <a:defRPr sz="1126" b="1"/>
+            <a:lvl4pPr marL="754380" indent="0">
+              <a:buNone/>
+              <a:defRPr sz="880" b="1"/>
             </a:lvl4pPr>
-            <a:lvl5pPr marL="1286561" indent="0">
-              <a:buNone/>
-              <a:defRPr sz="1126" b="1"/>
+            <a:lvl5pPr marL="1005840" indent="0">
+              <a:buNone/>
+              <a:defRPr sz="880" b="1"/>
             </a:lvl5pPr>
-            <a:lvl6pPr marL="1608201" indent="0">
-              <a:buNone/>
-              <a:defRPr sz="1126" b="1"/>
+            <a:lvl6pPr marL="1257300" indent="0">
+              <a:buNone/>
+              <a:defRPr sz="880" b="1"/>
             </a:lvl6pPr>
-            <a:lvl7pPr marL="1929841" indent="0">
-              <a:buNone/>
-              <a:defRPr sz="1126" b="1"/>
+            <a:lvl7pPr marL="1508760" indent="0">
+              <a:buNone/>
+              <a:defRPr sz="880" b="1"/>
             </a:lvl7pPr>
-            <a:lvl8pPr marL="2251481" indent="0">
-              <a:buNone/>
-              <a:defRPr sz="1126" b="1"/>
+            <a:lvl8pPr marL="1760220" indent="0">
+              <a:buNone/>
+              <a:defRPr sz="880" b="1"/>
             </a:lvl8pPr>
-            <a:lvl9pPr marL="2573122" indent="0">
-              <a:buNone/>
-              <a:defRPr sz="1126" b="1"/>
+            <a:lvl9pPr marL="2011680" indent="0">
+              <a:buNone/>
+              <a:defRPr sz="880" b="1"/>
             </a:lvl9pPr>
           </a:lstStyle>
           <a:p>
             <a:pPr lvl="0"/>
             <a:r>
-              <a:rPr lang="zh-CN" altLang="en-US" smtClean="0"/>
-              <a:t>编辑母版文本样式</a:t>
+              <a:rPr lang="en-US" smtClean="0"/>
+              <a:t>Edit Master text styles</a:t>
             </a:r>
           </a:p>
         </p:txBody>
@@ -1422,8 +1422,8 @@
         </p:nvSpPr>
         <p:spPr>
           <a:xfrm>
-            <a:off x="443076" y="2767760"/>
-            <a:ext cx="2721270" cy="4070958"/>
+            <a:off x="346413" y="2099740"/>
+            <a:ext cx="2127587" cy="3088401"/>
           </a:xfrm>
         </p:spPr>
         <p:txBody>
@@ -1432,36 +1432,36 @@
           <a:p>
             <a:pPr lvl="0"/>
             <a:r>
-              <a:rPr lang="zh-CN" altLang="en-US" smtClean="0"/>
-              <a:t>编辑母版文本样式</a:t>
+              <a:rPr lang="en-US" smtClean="0"/>
+              <a:t>Edit Master text styles</a:t>
             </a:r>
           </a:p>
           <a:p>
             <a:pPr lvl="1"/>
             <a:r>
-              <a:rPr lang="zh-CN" altLang="en-US" smtClean="0"/>
-              <a:t>第二级</a:t>
+              <a:rPr lang="en-US" smtClean="0"/>
+              <a:t>Second level</a:t>
             </a:r>
           </a:p>
           <a:p>
             <a:pPr lvl="2"/>
             <a:r>
-              <a:rPr lang="zh-CN" altLang="en-US" smtClean="0"/>
-              <a:t>第三级</a:t>
+              <a:rPr lang="en-US" smtClean="0"/>
+              <a:t>Third level</a:t>
             </a:r>
           </a:p>
           <a:p>
             <a:pPr lvl="3"/>
             <a:r>
-              <a:rPr lang="zh-CN" altLang="en-US" smtClean="0"/>
-              <a:t>第四级</a:t>
+              <a:rPr lang="en-US" smtClean="0"/>
+              <a:t>Fourth level</a:t>
             </a:r>
           </a:p>
           <a:p>
             <a:pPr lvl="4"/>
             <a:r>
-              <a:rPr lang="zh-CN" altLang="en-US" smtClean="0"/>
-              <a:t>第五级</a:t>
+              <a:rPr lang="en-US" smtClean="0"/>
+              <a:t>Fifth level</a:t>
             </a:r>
             <a:endParaRPr lang="en-US" dirty="0"/>
           </a:p>
@@ -1479,8 +1479,8 @@
         </p:nvSpPr>
         <p:spPr>
           <a:xfrm>
-            <a:off x="3256479" y="1857452"/>
-            <a:ext cx="2734672" cy="910308"/>
+            <a:off x="2546033" y="1409141"/>
+            <a:ext cx="2138065" cy="690599"/>
           </a:xfrm>
         </p:spPr>
         <p:txBody>
@@ -1488,46 +1488,46 @@
           <a:lstStyle>
             <a:lvl1pPr marL="0" indent="0">
               <a:buNone/>
-              <a:defRPr sz="1688" b="1"/>
+              <a:defRPr sz="1320" b="1"/>
             </a:lvl1pPr>
-            <a:lvl2pPr marL="321640" indent="0">
-              <a:buNone/>
-              <a:defRPr sz="1407" b="1"/>
+            <a:lvl2pPr marL="251460" indent="0">
+              <a:buNone/>
+              <a:defRPr sz="1100" b="1"/>
             </a:lvl2pPr>
-            <a:lvl3pPr marL="643280" indent="0">
-              <a:buNone/>
-              <a:defRPr sz="1266" b="1"/>
+            <a:lvl3pPr marL="502920" indent="0">
+              <a:buNone/>
+              <a:defRPr sz="990" b="1"/>
             </a:lvl3pPr>
-            <a:lvl4pPr marL="964921" indent="0">
-              <a:buNone/>
-              <a:defRPr sz="1126" b="1"/>
+            <a:lvl4pPr marL="754380" indent="0">
+              <a:buNone/>
+              <a:defRPr sz="880" b="1"/>
             </a:lvl4pPr>
-            <a:lvl5pPr marL="1286561" indent="0">
-              <a:buNone/>
-              <a:defRPr sz="1126" b="1"/>
+            <a:lvl5pPr marL="1005840" indent="0">
+              <a:buNone/>
+              <a:defRPr sz="880" b="1"/>
             </a:lvl5pPr>
-            <a:lvl6pPr marL="1608201" indent="0">
-              <a:buNone/>
-              <a:defRPr sz="1126" b="1"/>
+            <a:lvl6pPr marL="1257300" indent="0">
+              <a:buNone/>
+              <a:defRPr sz="880" b="1"/>
             </a:lvl6pPr>
-            <a:lvl7pPr marL="1929841" indent="0">
-              <a:buNone/>
-              <a:defRPr sz="1126" b="1"/>
+            <a:lvl7pPr marL="1508760" indent="0">
+              <a:buNone/>
+              <a:defRPr sz="880" b="1"/>
             </a:lvl7pPr>
-            <a:lvl8pPr marL="2251481" indent="0">
-              <a:buNone/>
-              <a:defRPr sz="1126" b="1"/>
+            <a:lvl8pPr marL="1760220" indent="0">
+              <a:buNone/>
+              <a:defRPr sz="880" b="1"/>
             </a:lvl8pPr>
-            <a:lvl9pPr marL="2573122" indent="0">
-              <a:buNone/>
-              <a:defRPr sz="1126" b="1"/>
+            <a:lvl9pPr marL="2011680" indent="0">
+              <a:buNone/>
+              <a:defRPr sz="880" b="1"/>
             </a:lvl9pPr>
           </a:lstStyle>
           <a:p>
             <a:pPr lvl="0"/>
             <a:r>
-              <a:rPr lang="zh-CN" altLang="en-US" smtClean="0"/>
-              <a:t>编辑母版文本样式</a:t>
+              <a:rPr lang="en-US" smtClean="0"/>
+              <a:t>Edit Master text styles</a:t>
             </a:r>
           </a:p>
         </p:txBody>
@@ -1544,8 +1544,8 @@
         </p:nvSpPr>
         <p:spPr>
           <a:xfrm>
-            <a:off x="3256479" y="2767760"/>
-            <a:ext cx="2734672" cy="4070958"/>
+            <a:off x="2546033" y="2099740"/>
+            <a:ext cx="2138065" cy="3088401"/>
           </a:xfrm>
         </p:spPr>
         <p:txBody>
@@ -1554,36 +1554,36 @@
           <a:p>
             <a:pPr lvl="0"/>
             <a:r>
-              <a:rPr lang="zh-CN" altLang="en-US" smtClean="0"/>
-              <a:t>编辑母版文本样式</a:t>
+              <a:rPr lang="en-US" smtClean="0"/>
+              <a:t>Edit Master text styles</a:t>
             </a:r>
           </a:p>
           <a:p>
             <a:pPr lvl="1"/>
             <a:r>
-              <a:rPr lang="zh-CN" altLang="en-US" smtClean="0"/>
-              <a:t>第二级</a:t>
+              <a:rPr lang="en-US" smtClean="0"/>
+              <a:t>Second level</a:t>
             </a:r>
           </a:p>
           <a:p>
             <a:pPr lvl="2"/>
             <a:r>
-              <a:rPr lang="zh-CN" altLang="en-US" smtClean="0"/>
-              <a:t>第三级</a:t>
+              <a:rPr lang="en-US" smtClean="0"/>
+              <a:t>Third level</a:t>
             </a:r>
           </a:p>
           <a:p>
             <a:pPr lvl="3"/>
             <a:r>
-              <a:rPr lang="zh-CN" altLang="en-US" smtClean="0"/>
-              <a:t>第四级</a:t>
+              <a:rPr lang="en-US" smtClean="0"/>
+              <a:t>Fourth level</a:t>
             </a:r>
           </a:p>
           <a:p>
             <a:pPr lvl="4"/>
             <a:r>
-              <a:rPr lang="zh-CN" altLang="en-US" smtClean="0"/>
-              <a:t>第五级</a:t>
+              <a:rPr lang="en-US" smtClean="0"/>
+              <a:t>Fifth level</a:t>
             </a:r>
             <a:endParaRPr lang="en-US" dirty="0"/>
           </a:p>
@@ -1606,7 +1606,7 @@
           <a:p>
             <a:fld id="{08760587-67CE-4E80-B3C6-EE43523D24AC}" type="datetimeFigureOut">
               <a:rPr lang="en-US" smtClean="0"/>
-              <a:t>1/1/2019</a:t>
+              <a:t>1/3/2019</a:t>
             </a:fld>
             <a:endParaRPr lang="en-US"/>
           </a:p>
@@ -1657,7 +1657,7 @@
     </p:spTree>
     <p:extLst>
       <p:ext uri="{BB962C8B-B14F-4D97-AF65-F5344CB8AC3E}">
-        <p14:creationId xmlns:p14="http://schemas.microsoft.com/office/powerpoint/2010/main" val="3629191170"/>
+        <p14:creationId xmlns:p14="http://schemas.microsoft.com/office/powerpoint/2010/main" val="3147502699"/>
       </p:ext>
     </p:extLst>
   </p:cSld>
@@ -1669,7 +1669,7 @@
 
 <file path=ppt/slideLayouts/slideLayout6.xml><?xml version="1.0" encoding="utf-8"?>
 <p:sldLayout xmlns:a="http://schemas.openxmlformats.org/drawingml/2006/main" xmlns:r="http://schemas.openxmlformats.org/officeDocument/2006/relationships" xmlns:p="http://schemas.openxmlformats.org/presentationml/2006/main" type="titleOnly" preserve="1">
-  <p:cSld name="仅标题">
+  <p:cSld name="Title Only">
     <p:spTree>
       <p:nvGrpSpPr>
         <p:cNvPr id="1" name=""/>
@@ -1700,8 +1700,8 @@
           <a:lstStyle/>
           <a:p>
             <a:r>
-              <a:rPr lang="zh-CN" altLang="en-US" smtClean="0"/>
-              <a:t>单击此处编辑母版标题样式</a:t>
+              <a:rPr lang="en-US" smtClean="0"/>
+              <a:t>Click to edit Master title style</a:t>
             </a:r>
             <a:endParaRPr lang="en-US" dirty="0"/>
           </a:p>
@@ -1724,7 +1724,7 @@
           <a:p>
             <a:fld id="{08760587-67CE-4E80-B3C6-EE43523D24AC}" type="datetimeFigureOut">
               <a:rPr lang="en-US" smtClean="0"/>
-              <a:t>1/1/2019</a:t>
+              <a:t>1/3/2019</a:t>
             </a:fld>
             <a:endParaRPr lang="en-US"/>
           </a:p>
@@ -1775,7 +1775,7 @@
     </p:spTree>
     <p:extLst>
       <p:ext uri="{BB962C8B-B14F-4D97-AF65-F5344CB8AC3E}">
-        <p14:creationId xmlns:p14="http://schemas.microsoft.com/office/powerpoint/2010/main" val="1243349956"/>
+        <p14:creationId xmlns:p14="http://schemas.microsoft.com/office/powerpoint/2010/main" val="2325235850"/>
       </p:ext>
     </p:extLst>
   </p:cSld>
@@ -1787,7 +1787,7 @@
 
 <file path=ppt/slideLayouts/slideLayout7.xml><?xml version="1.0" encoding="utf-8"?>
 <p:sldLayout xmlns:a="http://schemas.openxmlformats.org/drawingml/2006/main" xmlns:r="http://schemas.openxmlformats.org/officeDocument/2006/relationships" xmlns:p="http://schemas.openxmlformats.org/presentationml/2006/main" type="blank" preserve="1">
-  <p:cSld name="空白">
+  <p:cSld name="Blank">
     <p:spTree>
       <p:nvGrpSpPr>
         <p:cNvPr id="1" name=""/>
@@ -1819,7 +1819,7 @@
           <a:p>
             <a:fld id="{08760587-67CE-4E80-B3C6-EE43523D24AC}" type="datetimeFigureOut">
               <a:rPr lang="en-US" smtClean="0"/>
-              <a:t>1/1/2019</a:t>
+              <a:t>1/3/2019</a:t>
             </a:fld>
             <a:endParaRPr lang="en-US"/>
           </a:p>
@@ -1870,7 +1870,7 @@
     </p:spTree>
     <p:extLst>
       <p:ext uri="{BB962C8B-B14F-4D97-AF65-F5344CB8AC3E}">
-        <p14:creationId xmlns:p14="http://schemas.microsoft.com/office/powerpoint/2010/main" val="737143794"/>
+        <p14:creationId xmlns:p14="http://schemas.microsoft.com/office/powerpoint/2010/main" val="347981100"/>
       </p:ext>
     </p:extLst>
   </p:cSld>
@@ -1882,7 +1882,7 @@
 
 <file path=ppt/slideLayouts/slideLayout8.xml><?xml version="1.0" encoding="utf-8"?>
 <p:sldLayout xmlns:a="http://schemas.openxmlformats.org/drawingml/2006/main" xmlns:r="http://schemas.openxmlformats.org/officeDocument/2006/relationships" xmlns:p="http://schemas.openxmlformats.org/presentationml/2006/main" type="objTx" preserve="1">
-  <p:cSld name="内容与标题">
+  <p:cSld name="Content with Caption">
     <p:spTree>
       <p:nvGrpSpPr>
         <p:cNvPr id="1" name=""/>
@@ -1909,21 +1909,21 @@
         </p:nvSpPr>
         <p:spPr>
           <a:xfrm>
-            <a:off x="443076" y="505142"/>
-            <a:ext cx="2074665" cy="1767999"/>
+            <a:off x="346413" y="383222"/>
+            <a:ext cx="1622048" cy="1341279"/>
           </a:xfrm>
         </p:spPr>
         <p:txBody>
           <a:bodyPr anchor="b"/>
           <a:lstStyle>
             <a:lvl1pPr>
-              <a:defRPr sz="2251"/>
+              <a:defRPr sz="1760"/>
             </a:lvl1pPr>
           </a:lstStyle>
           <a:p>
             <a:r>
-              <a:rPr lang="zh-CN" altLang="en-US" smtClean="0"/>
-              <a:t>单击此处编辑母版标题样式</a:t>
+              <a:rPr lang="en-US" smtClean="0"/>
+              <a:t>Click to edit Master title style</a:t>
             </a:r>
             <a:endParaRPr lang="en-US" dirty="0"/>
           </a:p>
@@ -1941,74 +1941,74 @@
         </p:nvSpPr>
         <p:spPr>
           <a:xfrm>
-            <a:off x="2734672" y="1090969"/>
-            <a:ext cx="3256478" cy="5384679"/>
+            <a:off x="2138065" y="827655"/>
+            <a:ext cx="2546033" cy="4085046"/>
           </a:xfrm>
         </p:spPr>
         <p:txBody>
           <a:bodyPr/>
           <a:lstStyle>
             <a:lvl1pPr>
-              <a:defRPr sz="2251"/>
+              <a:defRPr sz="1760"/>
             </a:lvl1pPr>
             <a:lvl2pPr>
-              <a:defRPr sz="1970"/>
+              <a:defRPr sz="1540"/>
             </a:lvl2pPr>
             <a:lvl3pPr>
-              <a:defRPr sz="1688"/>
+              <a:defRPr sz="1320"/>
             </a:lvl3pPr>
             <a:lvl4pPr>
-              <a:defRPr sz="1407"/>
+              <a:defRPr sz="1100"/>
             </a:lvl4pPr>
             <a:lvl5pPr>
-              <a:defRPr sz="1407"/>
+              <a:defRPr sz="1100"/>
             </a:lvl5pPr>
             <a:lvl6pPr>
-              <a:defRPr sz="1407"/>
+              <a:defRPr sz="1100"/>
             </a:lvl6pPr>
             <a:lvl7pPr>
-              <a:defRPr sz="1407"/>
+              <a:defRPr sz="1100"/>
             </a:lvl7pPr>
             <a:lvl8pPr>
-              <a:defRPr sz="1407"/>
+              <a:defRPr sz="1100"/>
             </a:lvl8pPr>
             <a:lvl9pPr>
-              <a:defRPr sz="1407"/>
+              <a:defRPr sz="1100"/>
             </a:lvl9pPr>
           </a:lstStyle>
           <a:p>
             <a:pPr lvl="0"/>
             <a:r>
-              <a:rPr lang="zh-CN" altLang="en-US" smtClean="0"/>
-              <a:t>编辑母版文本样式</a:t>
+              <a:rPr lang="en-US" smtClean="0"/>
+              <a:t>Edit Master text styles</a:t>
             </a:r>
           </a:p>
           <a:p>
             <a:pPr lvl="1"/>
             <a:r>
-              <a:rPr lang="zh-CN" altLang="en-US" smtClean="0"/>
-              <a:t>第二级</a:t>
+              <a:rPr lang="en-US" smtClean="0"/>
+              <a:t>Second level</a:t>
             </a:r>
           </a:p>
           <a:p>
             <a:pPr lvl="2"/>
             <a:r>
-              <a:rPr lang="zh-CN" altLang="en-US" smtClean="0"/>
-              <a:t>第三级</a:t>
+              <a:rPr lang="en-US" smtClean="0"/>
+              <a:t>Third level</a:t>
             </a:r>
           </a:p>
           <a:p>
             <a:pPr lvl="3"/>
             <a:r>
-              <a:rPr lang="zh-CN" altLang="en-US" smtClean="0"/>
-              <a:t>第四级</a:t>
+              <a:rPr lang="en-US" smtClean="0"/>
+              <a:t>Fourth level</a:t>
             </a:r>
           </a:p>
           <a:p>
             <a:pPr lvl="4"/>
             <a:r>
-              <a:rPr lang="zh-CN" altLang="en-US" smtClean="0"/>
-              <a:t>第五级</a:t>
+              <a:rPr lang="en-US" smtClean="0"/>
+              <a:t>Fifth level</a:t>
             </a:r>
             <a:endParaRPr lang="en-US" dirty="0"/>
           </a:p>
@@ -2026,8 +2026,8 @@
         </p:nvSpPr>
         <p:spPr>
           <a:xfrm>
-            <a:off x="443076" y="2273141"/>
-            <a:ext cx="2074665" cy="4211276"/>
+            <a:off x="346413" y="1724501"/>
+            <a:ext cx="1622048" cy="3194852"/>
           </a:xfrm>
         </p:spPr>
         <p:txBody>
@@ -2035,46 +2035,46 @@
           <a:lstStyle>
             <a:lvl1pPr marL="0" indent="0">
               <a:buNone/>
-              <a:defRPr sz="1126"/>
+              <a:defRPr sz="880"/>
             </a:lvl1pPr>
-            <a:lvl2pPr marL="321640" indent="0">
-              <a:buNone/>
-              <a:defRPr sz="985"/>
+            <a:lvl2pPr marL="251460" indent="0">
+              <a:buNone/>
+              <a:defRPr sz="770"/>
             </a:lvl2pPr>
-            <a:lvl3pPr marL="643280" indent="0">
-              <a:buNone/>
-              <a:defRPr sz="844"/>
+            <a:lvl3pPr marL="502920" indent="0">
+              <a:buNone/>
+              <a:defRPr sz="660"/>
             </a:lvl3pPr>
-            <a:lvl4pPr marL="964921" indent="0">
-              <a:buNone/>
-              <a:defRPr sz="704"/>
+            <a:lvl4pPr marL="754380" indent="0">
+              <a:buNone/>
+              <a:defRPr sz="550"/>
             </a:lvl4pPr>
-            <a:lvl5pPr marL="1286561" indent="0">
-              <a:buNone/>
-              <a:defRPr sz="704"/>
+            <a:lvl5pPr marL="1005840" indent="0">
+              <a:buNone/>
+              <a:defRPr sz="550"/>
             </a:lvl5pPr>
-            <a:lvl6pPr marL="1608201" indent="0">
-              <a:buNone/>
-              <a:defRPr sz="704"/>
+            <a:lvl6pPr marL="1257300" indent="0">
+              <a:buNone/>
+              <a:defRPr sz="550"/>
             </a:lvl6pPr>
-            <a:lvl7pPr marL="1929841" indent="0">
-              <a:buNone/>
-              <a:defRPr sz="704"/>
+            <a:lvl7pPr marL="1508760" indent="0">
+              <a:buNone/>
+              <a:defRPr sz="550"/>
             </a:lvl7pPr>
-            <a:lvl8pPr marL="2251481" indent="0">
-              <a:buNone/>
-              <a:defRPr sz="704"/>
+            <a:lvl8pPr marL="1760220" indent="0">
+              <a:buNone/>
+              <a:defRPr sz="550"/>
             </a:lvl8pPr>
-            <a:lvl9pPr marL="2573122" indent="0">
-              <a:buNone/>
-              <a:defRPr sz="704"/>
+            <a:lvl9pPr marL="2011680" indent="0">
+              <a:buNone/>
+              <a:defRPr sz="550"/>
             </a:lvl9pPr>
           </a:lstStyle>
           <a:p>
             <a:pPr lvl="0"/>
             <a:r>
-              <a:rPr lang="zh-CN" altLang="en-US" smtClean="0"/>
-              <a:t>编辑母版文本样式</a:t>
+              <a:rPr lang="en-US" smtClean="0"/>
+              <a:t>Edit Master text styles</a:t>
             </a:r>
           </a:p>
         </p:txBody>
@@ -2096,7 +2096,7 @@
           <a:p>
             <a:fld id="{08760587-67CE-4E80-B3C6-EE43523D24AC}" type="datetimeFigureOut">
               <a:rPr lang="en-US" smtClean="0"/>
-              <a:t>1/1/2019</a:t>
+              <a:t>1/3/2019</a:t>
             </a:fld>
             <a:endParaRPr lang="en-US"/>
           </a:p>
@@ -2147,7 +2147,7 @@
     </p:spTree>
     <p:extLst>
       <p:ext uri="{BB962C8B-B14F-4D97-AF65-F5344CB8AC3E}">
-        <p14:creationId xmlns:p14="http://schemas.microsoft.com/office/powerpoint/2010/main" val="861408226"/>
+        <p14:creationId xmlns:p14="http://schemas.microsoft.com/office/powerpoint/2010/main" val="1006891718"/>
       </p:ext>
     </p:extLst>
   </p:cSld>
@@ -2159,7 +2159,7 @@
 
 <file path=ppt/slideLayouts/slideLayout9.xml><?xml version="1.0" encoding="utf-8"?>
 <p:sldLayout xmlns:a="http://schemas.openxmlformats.org/drawingml/2006/main" xmlns:r="http://schemas.openxmlformats.org/officeDocument/2006/relationships" xmlns:p="http://schemas.openxmlformats.org/presentationml/2006/main" type="picTx" preserve="1">
-  <p:cSld name="图片与标题">
+  <p:cSld name="Picture with Caption">
     <p:spTree>
       <p:nvGrpSpPr>
         <p:cNvPr id="1" name=""/>
@@ -2186,21 +2186,21 @@
         </p:nvSpPr>
         <p:spPr>
           <a:xfrm>
-            <a:off x="443076" y="505142"/>
-            <a:ext cx="2074665" cy="1767999"/>
+            <a:off x="346413" y="383222"/>
+            <a:ext cx="1622048" cy="1341279"/>
           </a:xfrm>
         </p:spPr>
         <p:txBody>
           <a:bodyPr anchor="b"/>
           <a:lstStyle>
             <a:lvl1pPr>
-              <a:defRPr sz="2251"/>
+              <a:defRPr sz="1760"/>
             </a:lvl1pPr>
           </a:lstStyle>
           <a:p>
             <a:r>
-              <a:rPr lang="zh-CN" altLang="en-US" smtClean="0"/>
-              <a:t>单击此处编辑母版标题样式</a:t>
+              <a:rPr lang="en-US" smtClean="0"/>
+              <a:t>Click to edit Master title style</a:t>
             </a:r>
             <a:endParaRPr lang="en-US" dirty="0"/>
           </a:p>
@@ -2218,8 +2218,8 @@
         </p:nvSpPr>
         <p:spPr>
           <a:xfrm>
-            <a:off x="2734672" y="1090969"/>
-            <a:ext cx="3256478" cy="5384679"/>
+            <a:off x="2138065" y="827655"/>
+            <a:ext cx="2546033" cy="4085046"/>
           </a:xfrm>
         </p:spPr>
         <p:txBody>
@@ -2227,45 +2227,45 @@
           <a:lstStyle>
             <a:lvl1pPr marL="0" indent="0">
               <a:buNone/>
-              <a:defRPr sz="2251"/>
+              <a:defRPr sz="1760"/>
             </a:lvl1pPr>
-            <a:lvl2pPr marL="321640" indent="0">
-              <a:buNone/>
-              <a:defRPr sz="1970"/>
+            <a:lvl2pPr marL="251460" indent="0">
+              <a:buNone/>
+              <a:defRPr sz="1540"/>
             </a:lvl2pPr>
-            <a:lvl3pPr marL="643280" indent="0">
-              <a:buNone/>
-              <a:defRPr sz="1688"/>
+            <a:lvl3pPr marL="502920" indent="0">
+              <a:buNone/>
+              <a:defRPr sz="1320"/>
             </a:lvl3pPr>
-            <a:lvl4pPr marL="964921" indent="0">
-              <a:buNone/>
-              <a:defRPr sz="1407"/>
+            <a:lvl4pPr marL="754380" indent="0">
+              <a:buNone/>
+              <a:defRPr sz="1100"/>
             </a:lvl4pPr>
-            <a:lvl5pPr marL="1286561" indent="0">
-              <a:buNone/>
-              <a:defRPr sz="1407"/>
+            <a:lvl5pPr marL="1005840" indent="0">
+              <a:buNone/>
+              <a:defRPr sz="1100"/>
             </a:lvl5pPr>
-            <a:lvl6pPr marL="1608201" indent="0">
-              <a:buNone/>
-              <a:defRPr sz="1407"/>
+            <a:lvl6pPr marL="1257300" indent="0">
+              <a:buNone/>
+              <a:defRPr sz="1100"/>
             </a:lvl6pPr>
-            <a:lvl7pPr marL="1929841" indent="0">
-              <a:buNone/>
-              <a:defRPr sz="1407"/>
+            <a:lvl7pPr marL="1508760" indent="0">
+              <a:buNone/>
+              <a:defRPr sz="1100"/>
             </a:lvl7pPr>
-            <a:lvl8pPr marL="2251481" indent="0">
-              <a:buNone/>
-              <a:defRPr sz="1407"/>
+            <a:lvl8pPr marL="1760220" indent="0">
+              <a:buNone/>
+              <a:defRPr sz="1100"/>
             </a:lvl8pPr>
-            <a:lvl9pPr marL="2573122" indent="0">
-              <a:buNone/>
-              <a:defRPr sz="1407"/>
+            <a:lvl9pPr marL="2011680" indent="0">
+              <a:buNone/>
+              <a:defRPr sz="1100"/>
             </a:lvl9pPr>
           </a:lstStyle>
           <a:p>
             <a:r>
-              <a:rPr lang="zh-CN" altLang="en-US" smtClean="0"/>
-              <a:t>单击图标添加图片</a:t>
+              <a:rPr lang="en-US" smtClean="0"/>
+              <a:t>Click icon to add picture</a:t>
             </a:r>
             <a:endParaRPr lang="en-US" dirty="0"/>
           </a:p>
@@ -2283,8 +2283,8 @@
         </p:nvSpPr>
         <p:spPr>
           <a:xfrm>
-            <a:off x="443076" y="2273141"/>
-            <a:ext cx="2074665" cy="4211276"/>
+            <a:off x="346413" y="1724501"/>
+            <a:ext cx="1622048" cy="3194852"/>
           </a:xfrm>
         </p:spPr>
         <p:txBody>
@@ -2292,46 +2292,46 @@
           <a:lstStyle>
             <a:lvl1pPr marL="0" indent="0">
               <a:buNone/>
-              <a:defRPr sz="1126"/>
+              <a:defRPr sz="880"/>
             </a:lvl1pPr>
-            <a:lvl2pPr marL="321640" indent="0">
-              <a:buNone/>
-              <a:defRPr sz="985"/>
+            <a:lvl2pPr marL="251460" indent="0">
+              <a:buNone/>
+              <a:defRPr sz="770"/>
             </a:lvl2pPr>
-            <a:lvl3pPr marL="643280" indent="0">
-              <a:buNone/>
-              <a:defRPr sz="844"/>
+            <a:lvl3pPr marL="502920" indent="0">
+              <a:buNone/>
+              <a:defRPr sz="660"/>
             </a:lvl3pPr>
-            <a:lvl4pPr marL="964921" indent="0">
-              <a:buNone/>
-              <a:defRPr sz="704"/>
+            <a:lvl4pPr marL="754380" indent="0">
+              <a:buNone/>
+              <a:defRPr sz="550"/>
             </a:lvl4pPr>
-            <a:lvl5pPr marL="1286561" indent="0">
-              <a:buNone/>
-              <a:defRPr sz="704"/>
+            <a:lvl5pPr marL="1005840" indent="0">
+              <a:buNone/>
+              <a:defRPr sz="550"/>
             </a:lvl5pPr>
-            <a:lvl6pPr marL="1608201" indent="0">
-              <a:buNone/>
-              <a:defRPr sz="704"/>
+            <a:lvl6pPr marL="1257300" indent="0">
+              <a:buNone/>
+              <a:defRPr sz="550"/>
             </a:lvl6pPr>
-            <a:lvl7pPr marL="1929841" indent="0">
-              <a:buNone/>
-              <a:defRPr sz="704"/>
+            <a:lvl7pPr marL="1508760" indent="0">
+              <a:buNone/>
+              <a:defRPr sz="550"/>
             </a:lvl7pPr>
-            <a:lvl8pPr marL="2251481" indent="0">
-              <a:buNone/>
-              <a:defRPr sz="704"/>
+            <a:lvl8pPr marL="1760220" indent="0">
+              <a:buNone/>
+              <a:defRPr sz="550"/>
             </a:lvl8pPr>
-            <a:lvl9pPr marL="2573122" indent="0">
-              <a:buNone/>
-              <a:defRPr sz="704"/>
+            <a:lvl9pPr marL="2011680" indent="0">
+              <a:buNone/>
+              <a:defRPr sz="550"/>
             </a:lvl9pPr>
           </a:lstStyle>
           <a:p>
             <a:pPr lvl="0"/>
             <a:r>
-              <a:rPr lang="zh-CN" altLang="en-US" smtClean="0"/>
-              <a:t>编辑母版文本样式</a:t>
+              <a:rPr lang="en-US" smtClean="0"/>
+              <a:t>Edit Master text styles</a:t>
             </a:r>
           </a:p>
         </p:txBody>
@@ -2353,7 +2353,7 @@
           <a:p>
             <a:fld id="{08760587-67CE-4E80-B3C6-EE43523D24AC}" type="datetimeFigureOut">
               <a:rPr lang="en-US" smtClean="0"/>
-              <a:t>1/1/2019</a:t>
+              <a:t>1/3/2019</a:t>
             </a:fld>
             <a:endParaRPr lang="en-US"/>
           </a:p>
@@ -2404,7 +2404,7 @@
     </p:spTree>
     <p:extLst>
       <p:ext uri="{BB962C8B-B14F-4D97-AF65-F5344CB8AC3E}">
-        <p14:creationId xmlns:p14="http://schemas.microsoft.com/office/powerpoint/2010/main" val="3800103064"/>
+        <p14:creationId xmlns:p14="http://schemas.microsoft.com/office/powerpoint/2010/main" val="1690180782"/>
       </p:ext>
     </p:extLst>
   </p:cSld>
@@ -2448,8 +2448,8 @@
         </p:nvSpPr>
         <p:spPr>
           <a:xfrm>
-            <a:off x="442238" y="403414"/>
-            <a:ext cx="5548074" cy="1464563"/>
+            <a:off x="345758" y="306047"/>
+            <a:ext cx="4337685" cy="1111080"/>
           </a:xfrm>
           <a:prstGeom prst="rect">
             <a:avLst/>
@@ -2462,8 +2462,8 @@
           <a:lstStyle/>
           <a:p>
             <a:r>
-              <a:rPr lang="zh-CN" altLang="en-US" smtClean="0"/>
-              <a:t>单击此处编辑母版标题样式</a:t>
+              <a:rPr lang="en-US" smtClean="0"/>
+              <a:t>Click to edit Master title style</a:t>
             </a:r>
             <a:endParaRPr lang="en-US" dirty="0"/>
           </a:p>
@@ -2481,8 +2481,8 @@
         </p:nvSpPr>
         <p:spPr>
           <a:xfrm>
-            <a:off x="442238" y="2017062"/>
-            <a:ext cx="5548074" cy="4807624"/>
+            <a:off x="345758" y="1530229"/>
+            <a:ext cx="4337685" cy="3647268"/>
           </a:xfrm>
           <a:prstGeom prst="rect">
             <a:avLst/>
@@ -2496,36 +2496,36 @@
           <a:p>
             <a:pPr lvl="0"/>
             <a:r>
-              <a:rPr lang="zh-CN" altLang="en-US" smtClean="0"/>
-              <a:t>编辑母版文本样式</a:t>
+              <a:rPr lang="en-US" smtClean="0"/>
+              <a:t>Edit Master text styles</a:t>
             </a:r>
           </a:p>
           <a:p>
             <a:pPr lvl="1"/>
             <a:r>
-              <a:rPr lang="zh-CN" altLang="en-US" smtClean="0"/>
-              <a:t>第二级</a:t>
+              <a:rPr lang="en-US" smtClean="0"/>
+              <a:t>Second level</a:t>
             </a:r>
           </a:p>
           <a:p>
             <a:pPr lvl="2"/>
             <a:r>
-              <a:rPr lang="zh-CN" altLang="en-US" smtClean="0"/>
-              <a:t>第三级</a:t>
+              <a:rPr lang="en-US" smtClean="0"/>
+              <a:t>Third level</a:t>
             </a:r>
           </a:p>
           <a:p>
             <a:pPr lvl="3"/>
             <a:r>
-              <a:rPr lang="zh-CN" altLang="en-US" smtClean="0"/>
-              <a:t>第四级</a:t>
+              <a:rPr lang="en-US" smtClean="0"/>
+              <a:t>Fourth level</a:t>
             </a:r>
           </a:p>
           <a:p>
             <a:pPr lvl="4"/>
             <a:r>
-              <a:rPr lang="zh-CN" altLang="en-US" smtClean="0"/>
-              <a:t>第五级</a:t>
+              <a:rPr lang="en-US" smtClean="0"/>
+              <a:t>Fifth level</a:t>
             </a:r>
             <a:endParaRPr lang="en-US" dirty="0"/>
           </a:p>
@@ -2543,8 +2543,8 @@
         </p:nvSpPr>
         <p:spPr>
           <a:xfrm>
-            <a:off x="442238" y="7022886"/>
-            <a:ext cx="1447324" cy="403412"/>
+            <a:off x="345758" y="5327859"/>
+            <a:ext cx="1131570" cy="306046"/>
           </a:xfrm>
           <a:prstGeom prst="rect">
             <a:avLst/>
@@ -2554,7 +2554,7 @@
           <a:bodyPr vert="horz" lIns="91440" tIns="45720" rIns="91440" bIns="45720" rtlCol="0" anchor="ctr"/>
           <a:lstStyle>
             <a:lvl1pPr algn="l">
-              <a:defRPr sz="844">
+              <a:defRPr sz="660">
                 <a:solidFill>
                   <a:schemeClr val="tx1">
                     <a:tint val="75000"/>
@@ -2566,7 +2566,7 @@
           <a:p>
             <a:fld id="{08760587-67CE-4E80-B3C6-EE43523D24AC}" type="datetimeFigureOut">
               <a:rPr lang="en-US" smtClean="0"/>
-              <a:t>1/1/2019</a:t>
+              <a:t>1/3/2019</a:t>
             </a:fld>
             <a:endParaRPr lang="en-US"/>
           </a:p>
@@ -2584,8 +2584,8 @@
         </p:nvSpPr>
         <p:spPr>
           <a:xfrm>
-            <a:off x="2130782" y="7022886"/>
-            <a:ext cx="2170986" cy="403412"/>
+            <a:off x="1665923" y="5327859"/>
+            <a:ext cx="1697355" cy="306046"/>
           </a:xfrm>
           <a:prstGeom prst="rect">
             <a:avLst/>
@@ -2595,7 +2595,7 @@
           <a:bodyPr vert="horz" lIns="91440" tIns="45720" rIns="91440" bIns="45720" rtlCol="0" anchor="ctr"/>
           <a:lstStyle>
             <a:lvl1pPr algn="ctr">
-              <a:defRPr sz="844">
+              <a:defRPr sz="660">
                 <a:solidFill>
                   <a:schemeClr val="tx1">
                     <a:tint val="75000"/>
@@ -2621,8 +2621,8 @@
         </p:nvSpPr>
         <p:spPr>
           <a:xfrm>
-            <a:off x="4542988" y="7022886"/>
-            <a:ext cx="1447324" cy="403412"/>
+            <a:off x="3551873" y="5327859"/>
+            <a:ext cx="1131570" cy="306046"/>
           </a:xfrm>
           <a:prstGeom prst="rect">
             <a:avLst/>
@@ -2632,7 +2632,7 @@
           <a:bodyPr vert="horz" lIns="91440" tIns="45720" rIns="91440" bIns="45720" rtlCol="0" anchor="ctr"/>
           <a:lstStyle>
             <a:lvl1pPr algn="r">
-              <a:defRPr sz="844">
+              <a:defRPr sz="660">
                 <a:solidFill>
                   <a:schemeClr val="tx1">
                     <a:tint val="75000"/>
@@ -2653,27 +2653,27 @@
     </p:spTree>
     <p:extLst>
       <p:ext uri="{BB962C8B-B14F-4D97-AF65-F5344CB8AC3E}">
-        <p14:creationId xmlns:p14="http://schemas.microsoft.com/office/powerpoint/2010/main" val="482384392"/>
+        <p14:creationId xmlns:p14="http://schemas.microsoft.com/office/powerpoint/2010/main" val="3630794696"/>
       </p:ext>
     </p:extLst>
   </p:cSld>
   <p:clrMap bg1="lt1" tx1="dk1" bg2="lt2" tx2="dk2" accent1="accent1" accent2="accent2" accent3="accent3" accent4="accent4" accent5="accent5" accent6="accent6" hlink="hlink" folHlink="folHlink"/>
   <p:sldLayoutIdLst>
-    <p:sldLayoutId id="2147483709" r:id="rId1"/>
-    <p:sldLayoutId id="2147483710" r:id="rId2"/>
-    <p:sldLayoutId id="2147483711" r:id="rId3"/>
-    <p:sldLayoutId id="2147483712" r:id="rId4"/>
-    <p:sldLayoutId id="2147483713" r:id="rId5"/>
-    <p:sldLayoutId id="2147483714" r:id="rId6"/>
-    <p:sldLayoutId id="2147483715" r:id="rId7"/>
-    <p:sldLayoutId id="2147483716" r:id="rId8"/>
-    <p:sldLayoutId id="2147483717" r:id="rId9"/>
-    <p:sldLayoutId id="2147483718" r:id="rId10"/>
-    <p:sldLayoutId id="2147483719" r:id="rId11"/>
+    <p:sldLayoutId id="2147483769" r:id="rId1"/>
+    <p:sldLayoutId id="2147483770" r:id="rId2"/>
+    <p:sldLayoutId id="2147483771" r:id="rId3"/>
+    <p:sldLayoutId id="2147483772" r:id="rId4"/>
+    <p:sldLayoutId id="2147483773" r:id="rId5"/>
+    <p:sldLayoutId id="2147483774" r:id="rId6"/>
+    <p:sldLayoutId id="2147483775" r:id="rId7"/>
+    <p:sldLayoutId id="2147483776" r:id="rId8"/>
+    <p:sldLayoutId id="2147483777" r:id="rId9"/>
+    <p:sldLayoutId id="2147483778" r:id="rId10"/>
+    <p:sldLayoutId id="2147483779" r:id="rId11"/>
   </p:sldLayoutIdLst>
   <p:txStyles>
     <p:titleStyle>
-      <a:lvl1pPr algn="l" defTabSz="643280" rtl="0" eaLnBrk="1" latinLnBrk="0" hangingPunct="1">
+      <a:lvl1pPr algn="l" defTabSz="502920" rtl="0" eaLnBrk="1" latinLnBrk="0" hangingPunct="1">
         <a:lnSpc>
           <a:spcPct val="90000"/>
         </a:lnSpc>
@@ -2681,7 +2681,7 @@
           <a:spcPct val="0"/>
         </a:spcBef>
         <a:buNone/>
-        <a:defRPr sz="3095" kern="1200">
+        <a:defRPr sz="2420" kern="1200">
           <a:solidFill>
             <a:schemeClr val="tx1"/>
           </a:solidFill>
@@ -2692,16 +2692,16 @@
       </a:lvl1pPr>
     </p:titleStyle>
     <p:bodyStyle>
-      <a:lvl1pPr marL="160820" indent="-160820" algn="l" defTabSz="643280" rtl="0" eaLnBrk="1" latinLnBrk="0" hangingPunct="1">
+      <a:lvl1pPr marL="125730" indent="-125730" algn="l" defTabSz="502920" rtl="0" eaLnBrk="1" latinLnBrk="0" hangingPunct="1">
         <a:lnSpc>
           <a:spcPct val="90000"/>
         </a:lnSpc>
         <a:spcBef>
-          <a:spcPts val="704"/>
+          <a:spcPts val="550"/>
         </a:spcBef>
         <a:buFont typeface="Arial" panose="020B0604020202020204" pitchFamily="34" charset="0"/>
         <a:buChar char="•"/>
-        <a:defRPr sz="1970" kern="1200">
+        <a:defRPr sz="1540" kern="1200">
           <a:solidFill>
             <a:schemeClr val="tx1"/>
           </a:solidFill>
@@ -2710,16 +2710,16 @@
           <a:cs typeface="+mn-cs"/>
         </a:defRPr>
       </a:lvl1pPr>
-      <a:lvl2pPr marL="482460" indent="-160820" algn="l" defTabSz="643280" rtl="0" eaLnBrk="1" latinLnBrk="0" hangingPunct="1">
+      <a:lvl2pPr marL="377190" indent="-125730" algn="l" defTabSz="502920" rtl="0" eaLnBrk="1" latinLnBrk="0" hangingPunct="1">
         <a:lnSpc>
           <a:spcPct val="90000"/>
         </a:lnSpc>
         <a:spcBef>
-          <a:spcPts val="352"/>
+          <a:spcPts val="275"/>
         </a:spcBef>
         <a:buFont typeface="Arial" panose="020B0604020202020204" pitchFamily="34" charset="0"/>
         <a:buChar char="•"/>
-        <a:defRPr sz="1688" kern="1200">
+        <a:defRPr sz="1320" kern="1200">
           <a:solidFill>
             <a:schemeClr val="tx1"/>
           </a:solidFill>
@@ -2728,16 +2728,16 @@
           <a:cs typeface="+mn-cs"/>
         </a:defRPr>
       </a:lvl2pPr>
-      <a:lvl3pPr marL="804101" indent="-160820" algn="l" defTabSz="643280" rtl="0" eaLnBrk="1" latinLnBrk="0" hangingPunct="1">
+      <a:lvl3pPr marL="628650" indent="-125730" algn="l" defTabSz="502920" rtl="0" eaLnBrk="1" latinLnBrk="0" hangingPunct="1">
         <a:lnSpc>
           <a:spcPct val="90000"/>
         </a:lnSpc>
         <a:spcBef>
-          <a:spcPts val="352"/>
+          <a:spcPts val="275"/>
         </a:spcBef>
         <a:buFont typeface="Arial" panose="020B0604020202020204" pitchFamily="34" charset="0"/>
         <a:buChar char="•"/>
-        <a:defRPr sz="1407" kern="1200">
+        <a:defRPr sz="1100" kern="1200">
           <a:solidFill>
             <a:schemeClr val="tx1"/>
           </a:solidFill>
@@ -2746,16 +2746,16 @@
           <a:cs typeface="+mn-cs"/>
         </a:defRPr>
       </a:lvl3pPr>
-      <a:lvl4pPr marL="1125741" indent="-160820" algn="l" defTabSz="643280" rtl="0" eaLnBrk="1" latinLnBrk="0" hangingPunct="1">
+      <a:lvl4pPr marL="880110" indent="-125730" algn="l" defTabSz="502920" rtl="0" eaLnBrk="1" latinLnBrk="0" hangingPunct="1">
         <a:lnSpc>
           <a:spcPct val="90000"/>
         </a:lnSpc>
         <a:spcBef>
-          <a:spcPts val="352"/>
+          <a:spcPts val="275"/>
         </a:spcBef>
         <a:buFont typeface="Arial" panose="020B0604020202020204" pitchFamily="34" charset="0"/>
         <a:buChar char="•"/>
-        <a:defRPr sz="1266" kern="1200">
+        <a:defRPr sz="990" kern="1200">
           <a:solidFill>
             <a:schemeClr val="tx1"/>
           </a:solidFill>
@@ -2764,16 +2764,16 @@
           <a:cs typeface="+mn-cs"/>
         </a:defRPr>
       </a:lvl4pPr>
-      <a:lvl5pPr marL="1447381" indent="-160820" algn="l" defTabSz="643280" rtl="0" eaLnBrk="1" latinLnBrk="0" hangingPunct="1">
+      <a:lvl5pPr marL="1131570" indent="-125730" algn="l" defTabSz="502920" rtl="0" eaLnBrk="1" latinLnBrk="0" hangingPunct="1">
         <a:lnSpc>
           <a:spcPct val="90000"/>
         </a:lnSpc>
         <a:spcBef>
-          <a:spcPts val="352"/>
+          <a:spcPts val="275"/>
         </a:spcBef>
         <a:buFont typeface="Arial" panose="020B0604020202020204" pitchFamily="34" charset="0"/>
         <a:buChar char="•"/>
-        <a:defRPr sz="1266" kern="1200">
+        <a:defRPr sz="990" kern="1200">
           <a:solidFill>
             <a:schemeClr val="tx1"/>
           </a:solidFill>
@@ -2782,16 +2782,16 @@
           <a:cs typeface="+mn-cs"/>
         </a:defRPr>
       </a:lvl5pPr>
-      <a:lvl6pPr marL="1769021" indent="-160820" algn="l" defTabSz="643280" rtl="0" eaLnBrk="1" latinLnBrk="0" hangingPunct="1">
+      <a:lvl6pPr marL="1383030" indent="-125730" algn="l" defTabSz="502920" rtl="0" eaLnBrk="1" latinLnBrk="0" hangingPunct="1">
         <a:lnSpc>
           <a:spcPct val="90000"/>
         </a:lnSpc>
         <a:spcBef>
-          <a:spcPts val="352"/>
+          <a:spcPts val="275"/>
         </a:spcBef>
         <a:buFont typeface="Arial" panose="020B0604020202020204" pitchFamily="34" charset="0"/>
         <a:buChar char="•"/>
-        <a:defRPr sz="1266" kern="1200">
+        <a:defRPr sz="990" kern="1200">
           <a:solidFill>
             <a:schemeClr val="tx1"/>
           </a:solidFill>
@@ -2800,16 +2800,16 @@
           <a:cs typeface="+mn-cs"/>
         </a:defRPr>
       </a:lvl6pPr>
-      <a:lvl7pPr marL="2090661" indent="-160820" algn="l" defTabSz="643280" rtl="0" eaLnBrk="1" latinLnBrk="0" hangingPunct="1">
+      <a:lvl7pPr marL="1634490" indent="-125730" algn="l" defTabSz="502920" rtl="0" eaLnBrk="1" latinLnBrk="0" hangingPunct="1">
         <a:lnSpc>
           <a:spcPct val="90000"/>
         </a:lnSpc>
         <a:spcBef>
-          <a:spcPts val="352"/>
+          <a:spcPts val="275"/>
         </a:spcBef>
         <a:buFont typeface="Arial" panose="020B0604020202020204" pitchFamily="34" charset="0"/>
         <a:buChar char="•"/>
-        <a:defRPr sz="1266" kern="1200">
+        <a:defRPr sz="990" kern="1200">
           <a:solidFill>
             <a:schemeClr val="tx1"/>
           </a:solidFill>
@@ -2818,16 +2818,16 @@
           <a:cs typeface="+mn-cs"/>
         </a:defRPr>
       </a:lvl7pPr>
-      <a:lvl8pPr marL="2412302" indent="-160820" algn="l" defTabSz="643280" rtl="0" eaLnBrk="1" latinLnBrk="0" hangingPunct="1">
+      <a:lvl8pPr marL="1885950" indent="-125730" algn="l" defTabSz="502920" rtl="0" eaLnBrk="1" latinLnBrk="0" hangingPunct="1">
         <a:lnSpc>
           <a:spcPct val="90000"/>
         </a:lnSpc>
         <a:spcBef>
-          <a:spcPts val="352"/>
+          <a:spcPts val="275"/>
         </a:spcBef>
         <a:buFont typeface="Arial" panose="020B0604020202020204" pitchFamily="34" charset="0"/>
         <a:buChar char="•"/>
-        <a:defRPr sz="1266" kern="1200">
+        <a:defRPr sz="990" kern="1200">
           <a:solidFill>
             <a:schemeClr val="tx1"/>
           </a:solidFill>
@@ -2836,16 +2836,16 @@
           <a:cs typeface="+mn-cs"/>
         </a:defRPr>
       </a:lvl8pPr>
-      <a:lvl9pPr marL="2733942" indent="-160820" algn="l" defTabSz="643280" rtl="0" eaLnBrk="1" latinLnBrk="0" hangingPunct="1">
+      <a:lvl9pPr marL="2137410" indent="-125730" algn="l" defTabSz="502920" rtl="0" eaLnBrk="1" latinLnBrk="0" hangingPunct="1">
         <a:lnSpc>
           <a:spcPct val="90000"/>
         </a:lnSpc>
         <a:spcBef>
-          <a:spcPts val="352"/>
+          <a:spcPts val="275"/>
         </a:spcBef>
         <a:buFont typeface="Arial" panose="020B0604020202020204" pitchFamily="34" charset="0"/>
         <a:buChar char="•"/>
-        <a:defRPr sz="1266" kern="1200">
+        <a:defRPr sz="990" kern="1200">
           <a:solidFill>
             <a:schemeClr val="tx1"/>
           </a:solidFill>
@@ -2859,8 +2859,8 @@
       <a:defPPr>
         <a:defRPr lang="en-US"/>
       </a:defPPr>
-      <a:lvl1pPr marL="0" algn="l" defTabSz="643280" rtl="0" eaLnBrk="1" latinLnBrk="0" hangingPunct="1">
-        <a:defRPr sz="1266" kern="1200">
+      <a:lvl1pPr marL="0" algn="l" defTabSz="502920" rtl="0" eaLnBrk="1" latinLnBrk="0" hangingPunct="1">
+        <a:defRPr sz="990" kern="1200">
           <a:solidFill>
             <a:schemeClr val="tx1"/>
           </a:solidFill>
@@ -2869,8 +2869,8 @@
           <a:cs typeface="+mn-cs"/>
         </a:defRPr>
       </a:lvl1pPr>
-      <a:lvl2pPr marL="321640" algn="l" defTabSz="643280" rtl="0" eaLnBrk="1" latinLnBrk="0" hangingPunct="1">
-        <a:defRPr sz="1266" kern="1200">
+      <a:lvl2pPr marL="251460" algn="l" defTabSz="502920" rtl="0" eaLnBrk="1" latinLnBrk="0" hangingPunct="1">
+        <a:defRPr sz="990" kern="1200">
           <a:solidFill>
             <a:schemeClr val="tx1"/>
           </a:solidFill>
@@ -2879,8 +2879,8 @@
           <a:cs typeface="+mn-cs"/>
         </a:defRPr>
       </a:lvl2pPr>
-      <a:lvl3pPr marL="643280" algn="l" defTabSz="643280" rtl="0" eaLnBrk="1" latinLnBrk="0" hangingPunct="1">
-        <a:defRPr sz="1266" kern="1200">
+      <a:lvl3pPr marL="502920" algn="l" defTabSz="502920" rtl="0" eaLnBrk="1" latinLnBrk="0" hangingPunct="1">
+        <a:defRPr sz="990" kern="1200">
           <a:solidFill>
             <a:schemeClr val="tx1"/>
           </a:solidFill>
@@ -2889,8 +2889,8 @@
           <a:cs typeface="+mn-cs"/>
         </a:defRPr>
       </a:lvl3pPr>
-      <a:lvl4pPr marL="964921" algn="l" defTabSz="643280" rtl="0" eaLnBrk="1" latinLnBrk="0" hangingPunct="1">
-        <a:defRPr sz="1266" kern="1200">
+      <a:lvl4pPr marL="754380" algn="l" defTabSz="502920" rtl="0" eaLnBrk="1" latinLnBrk="0" hangingPunct="1">
+        <a:defRPr sz="990" kern="1200">
           <a:solidFill>
             <a:schemeClr val="tx1"/>
           </a:solidFill>
@@ -2899,8 +2899,8 @@
           <a:cs typeface="+mn-cs"/>
         </a:defRPr>
       </a:lvl4pPr>
-      <a:lvl5pPr marL="1286561" algn="l" defTabSz="643280" rtl="0" eaLnBrk="1" latinLnBrk="0" hangingPunct="1">
-        <a:defRPr sz="1266" kern="1200">
+      <a:lvl5pPr marL="1005840" algn="l" defTabSz="502920" rtl="0" eaLnBrk="1" latinLnBrk="0" hangingPunct="1">
+        <a:defRPr sz="990" kern="1200">
           <a:solidFill>
             <a:schemeClr val="tx1"/>
           </a:solidFill>
@@ -2909,8 +2909,8 @@
           <a:cs typeface="+mn-cs"/>
         </a:defRPr>
       </a:lvl5pPr>
-      <a:lvl6pPr marL="1608201" algn="l" defTabSz="643280" rtl="0" eaLnBrk="1" latinLnBrk="0" hangingPunct="1">
-        <a:defRPr sz="1266" kern="1200">
+      <a:lvl6pPr marL="1257300" algn="l" defTabSz="502920" rtl="0" eaLnBrk="1" latinLnBrk="0" hangingPunct="1">
+        <a:defRPr sz="990" kern="1200">
           <a:solidFill>
             <a:schemeClr val="tx1"/>
           </a:solidFill>
@@ -2919,8 +2919,8 @@
           <a:cs typeface="+mn-cs"/>
         </a:defRPr>
       </a:lvl6pPr>
-      <a:lvl7pPr marL="1929841" algn="l" defTabSz="643280" rtl="0" eaLnBrk="1" latinLnBrk="0" hangingPunct="1">
-        <a:defRPr sz="1266" kern="1200">
+      <a:lvl7pPr marL="1508760" algn="l" defTabSz="502920" rtl="0" eaLnBrk="1" latinLnBrk="0" hangingPunct="1">
+        <a:defRPr sz="990" kern="1200">
           <a:solidFill>
             <a:schemeClr val="tx1"/>
           </a:solidFill>
@@ -2929,8 +2929,8 @@
           <a:cs typeface="+mn-cs"/>
         </a:defRPr>
       </a:lvl7pPr>
-      <a:lvl8pPr marL="2251481" algn="l" defTabSz="643280" rtl="0" eaLnBrk="1" latinLnBrk="0" hangingPunct="1">
-        <a:defRPr sz="1266" kern="1200">
+      <a:lvl8pPr marL="1760220" algn="l" defTabSz="502920" rtl="0" eaLnBrk="1" latinLnBrk="0" hangingPunct="1">
+        <a:defRPr sz="990" kern="1200">
           <a:solidFill>
             <a:schemeClr val="tx1"/>
           </a:solidFill>
@@ -2939,8 +2939,8 @@
           <a:cs typeface="+mn-cs"/>
         </a:defRPr>
       </a:lvl8pPr>
-      <a:lvl9pPr marL="2573122" algn="l" defTabSz="643280" rtl="0" eaLnBrk="1" latinLnBrk="0" hangingPunct="1">
-        <a:defRPr sz="1266" kern="1200">
+      <a:lvl9pPr marL="2011680" algn="l" defTabSz="502920" rtl="0" eaLnBrk="1" latinLnBrk="0" hangingPunct="1">
+        <a:defRPr sz="990" kern="1200">
           <a:solidFill>
             <a:schemeClr val="tx1"/>
           </a:solidFill>
@@ -2971,8 +2971,8 @@
           <a:chExt cx="0" cy="0"/>
         </a:xfrm>
       </p:grpSpPr>
-      <mc:AlternateContent xmlns:mc="http://schemas.openxmlformats.org/markup-compatibility/2006" xmlns:a14="http://schemas.microsoft.com/office/drawing/2010/main">
-        <mc:Choice Requires="a14">
+      <mc:AlternateContent xmlns:mc="http://schemas.openxmlformats.org/markup-compatibility/2006">
+        <mc:Choice xmlns:a14="http://schemas.microsoft.com/office/drawing/2010/main" Requires="a14">
           <p:sp>
             <p:nvSpPr>
               <p:cNvPr id="2" name="圆角矩形 1"/>
@@ -2981,8 +2981,8 @@
             </p:nvSpPr>
             <p:spPr>
               <a:xfrm>
-                <a:off x="2431278" y="2917383"/>
-                <a:ext cx="1646988" cy="664460"/>
+                <a:off x="1877955" y="2222819"/>
+                <a:ext cx="1280160" cy="457200"/>
               </a:xfrm>
               <a:prstGeom prst="roundRect">
                 <a:avLst/>
@@ -3021,7 +3021,7 @@
               <a:p>
                 <a:pPr algn="ctr"/>
                 <a:r>
-                  <a:rPr lang="en-US" dirty="0" smtClean="0">
+                  <a:rPr lang="en-US" sz="1530" dirty="0">
                     <a:solidFill>
                       <a:schemeClr val="tx1"/>
                     </a:solidFill>
@@ -3033,7 +3033,7 @@
               <a:p>
                 <a:pPr algn="ctr"/>
                 <a:r>
-                  <a:rPr lang="en-US" altLang="zh-CN" dirty="0" smtClean="0">
+                  <a:rPr lang="en-US" altLang="zh-CN" sz="1530" dirty="0">
                     <a:solidFill>
                       <a:schemeClr val="tx1"/>
                     </a:solidFill>
@@ -3047,7 +3047,7 @@
                       <m:rPr>
                         <m:sty m:val="p"/>
                       </m:rPr>
-                      <a:rPr lang="en-US" altLang="zh-CN" b="0" i="0" smtClean="0">
+                      <a:rPr lang="en-US" altLang="zh-CN" sz="1530">
                         <a:solidFill>
                           <a:schemeClr val="tx1"/>
                         </a:solidFill>
@@ -3056,7 +3056,7 @@
                       <m:t>z</m:t>
                     </m:r>
                     <m:r>
-                      <a:rPr lang="en-US" altLang="zh-CN" b="0" i="0" smtClean="0">
+                      <a:rPr lang="en-US" altLang="zh-CN" sz="1530">
                         <a:solidFill>
                           <a:schemeClr val="tx1"/>
                         </a:solidFill>
@@ -3068,7 +3068,7 @@
                       <m:accPr>
                         <m:chr m:val="̂"/>
                         <m:ctrlPr>
-                          <a:rPr lang="en-US" altLang="zh-CN" i="1" smtClean="0">
+                          <a:rPr lang="en-US" altLang="zh-CN" sz="1530" i="1">
                             <a:solidFill>
                               <a:schemeClr val="tx1"/>
                             </a:solidFill>
@@ -3078,7 +3078,7 @@
                       </m:accPr>
                       <m:e>
                         <m:r>
-                          <a:rPr lang="en-US" altLang="zh-CN" b="0" i="1" smtClean="0">
+                          <a:rPr lang="en-US" altLang="zh-CN" sz="1530" i="1">
                             <a:solidFill>
                               <a:schemeClr val="tx1"/>
                             </a:solidFill>
@@ -3089,7 +3089,7 @@
                       </m:e>
                     </m:acc>
                     <m:r>
-                      <a:rPr lang="en-US" altLang="zh-CN" b="0" i="1" smtClean="0">
+                      <a:rPr lang="en-US" altLang="zh-CN" sz="1530" i="1">
                         <a:solidFill>
                           <a:schemeClr val="tx1"/>
                         </a:solidFill>
@@ -3098,7 +3098,7 @@
                       <m:t>,</m:t>
                     </m:r>
                     <m:r>
-                      <a:rPr lang="en-US" altLang="zh-CN" b="0" i="1" smtClean="0">
+                      <a:rPr lang="en-US" altLang="zh-CN" sz="1530" i="1">
                         <a:solidFill>
                           <a:schemeClr val="tx1"/>
                         </a:solidFill>
@@ -3109,7 +3109,7 @@
                   </m:oMath>
                 </a14:m>
                 <a:r>
-                  <a:rPr lang="en-US" dirty="0" smtClean="0">
+                  <a:rPr lang="en-US" sz="1530" dirty="0">
                     <a:solidFill>
                       <a:schemeClr val="tx1"/>
                     </a:solidFill>
@@ -3117,17 +3117,11 @@
                   </a:rPr>
                   <a:t>)</a:t>
                 </a:r>
-                <a:endParaRPr lang="en-US" dirty="0">
-                  <a:solidFill>
-                    <a:schemeClr val="tx1"/>
-                  </a:solidFill>
-                  <a:latin typeface="Palatino Linotype" panose="02040502050505030304" pitchFamily="18" charset="0"/>
-                </a:endParaRPr>
               </a:p>
             </p:txBody>
           </p:sp>
         </mc:Choice>
-        <mc:Fallback xmlns="">
+        <mc:Fallback>
           <p:sp>
             <p:nvSpPr>
               <p:cNvPr id="2" name="圆角矩形 1"/>
@@ -3138,8 +3132,8 @@
             </p:nvSpPr>
             <p:spPr>
               <a:xfrm>
-                <a:off x="2431278" y="2917383"/>
-                <a:ext cx="1646988" cy="664460"/>
+                <a:off x="1877955" y="2222819"/>
+                <a:ext cx="1280160" cy="457200"/>
               </a:xfrm>
               <a:prstGeom prst="roundRect">
                 <a:avLst/>
@@ -3147,7 +3141,7 @@
               <a:blipFill>
                 <a:blip r:embed="rId2"/>
                 <a:stretch>
-                  <a:fillRect t="-1754" b="-9649"/>
+                  <a:fillRect t="-10000" b="-21250"/>
                 </a:stretch>
               </a:blipFill>
               <a:ln w="28575">
@@ -3171,8 +3165,8 @@
           </p:sp>
         </mc:Fallback>
       </mc:AlternateContent>
-      <mc:AlternateContent xmlns:mc="http://schemas.openxmlformats.org/markup-compatibility/2006" xmlns:a14="http://schemas.microsoft.com/office/drawing/2010/main">
-        <mc:Choice Requires="a14">
+      <mc:AlternateContent xmlns:mc="http://schemas.openxmlformats.org/markup-compatibility/2006">
+        <mc:Choice xmlns:a14="http://schemas.microsoft.com/office/drawing/2010/main" Requires="a14">
           <p:sp>
             <p:nvSpPr>
               <p:cNvPr id="21" name="流程图: 文档 20"/>
@@ -3181,16 +3175,14 @@
             </p:nvSpPr>
             <p:spPr>
               <a:xfrm>
-                <a:off x="2884125" y="3891681"/>
-                <a:ext cx="751950" cy="439720"/>
+                <a:off x="2240357" y="2970555"/>
+                <a:ext cx="548640" cy="365760"/>
               </a:xfrm>
               <a:prstGeom prst="flowChartDocument">
                 <a:avLst/>
               </a:prstGeom>
               <a:solidFill>
-                <a:schemeClr val="bg2">
-                  <a:lumMod val="90000"/>
-                </a:schemeClr>
+                <a:schemeClr val="bg2"/>
               </a:solidFill>
               <a:ln w="28575">
                 <a:solidFill>
@@ -3229,7 +3221,7 @@
                         <m:accPr>
                           <m:chr m:val="̅"/>
                           <m:ctrlPr>
-                            <a:rPr lang="en-US" i="1">
+                            <a:rPr lang="en-US" sz="1530" i="1">
                               <a:solidFill>
                                 <a:schemeClr val="tx1"/>
                               </a:solidFill>
@@ -3239,7 +3231,7 @@
                         </m:accPr>
                         <m:e>
                           <m:r>
-                            <a:rPr lang="en-US" i="1">
+                            <a:rPr lang="en-US" sz="1530" i="1">
                               <a:solidFill>
                                 <a:schemeClr val="tx1"/>
                               </a:solidFill>
@@ -3252,7 +3244,7 @@
                     </m:oMath>
                   </m:oMathPara>
                 </a14:m>
-                <a:endParaRPr lang="en-US" baseline="-25000" dirty="0">
+                <a:endParaRPr lang="en-US" sz="1530" baseline="-25000" dirty="0">
                   <a:solidFill>
                     <a:schemeClr val="tx1"/>
                   </a:solidFill>
@@ -3262,7 +3254,7 @@
             </p:txBody>
           </p:sp>
         </mc:Choice>
-        <mc:Fallback xmlns="">
+        <mc:Fallback>
           <p:sp>
             <p:nvSpPr>
               <p:cNvPr id="21" name="流程图: 文档 20"/>
@@ -3273,8 +3265,8 @@
             </p:nvSpPr>
             <p:spPr>
               <a:xfrm>
-                <a:off x="2884125" y="3891681"/>
-                <a:ext cx="751950" cy="439720"/>
+                <a:off x="2240357" y="2970555"/>
+                <a:ext cx="548640" cy="365760"/>
               </a:xfrm>
               <a:prstGeom prst="flowChartDocument">
                 <a:avLst/>
@@ -3282,7 +3274,7 @@
               <a:blipFill>
                 <a:blip r:embed="rId3"/>
                 <a:stretch>
-                  <a:fillRect r="-13281"/>
+                  <a:fillRect r="-5263"/>
                 </a:stretch>
               </a:blipFill>
               <a:ln w="28575">
@@ -3306,8 +3298,8 @@
           </p:sp>
         </mc:Fallback>
       </mc:AlternateContent>
-      <mc:AlternateContent xmlns:mc="http://schemas.openxmlformats.org/markup-compatibility/2006" xmlns:a14="http://schemas.microsoft.com/office/drawing/2010/main">
-        <mc:Choice Requires="a14">
+      <mc:AlternateContent xmlns:mc="http://schemas.openxmlformats.org/markup-compatibility/2006">
+        <mc:Choice xmlns:a14="http://schemas.microsoft.com/office/drawing/2010/main" Requires="a14">
           <p:sp>
             <p:nvSpPr>
               <p:cNvPr id="30" name="流程图: 文档 29"/>
@@ -3316,16 +3308,14 @@
             </p:nvSpPr>
             <p:spPr>
               <a:xfrm>
-                <a:off x="942737" y="2127163"/>
-                <a:ext cx="751950" cy="439720"/>
+                <a:off x="1085437" y="1547966"/>
+                <a:ext cx="548640" cy="365760"/>
               </a:xfrm>
               <a:prstGeom prst="flowChartDocument">
                 <a:avLst/>
               </a:prstGeom>
               <a:solidFill>
-                <a:schemeClr val="bg2">
-                  <a:lumMod val="90000"/>
-                </a:schemeClr>
+                <a:schemeClr val="bg2"/>
               </a:solidFill>
               <a:ln w="28575">
                 <a:solidFill>
@@ -3361,7 +3351,7 @@
                     </m:oMathParaPr>
                     <m:oMath xmlns:m="http://schemas.openxmlformats.org/officeDocument/2006/math">
                       <m:r>
-                        <a:rPr lang="en-US" b="0" i="1" smtClean="0">
+                        <a:rPr lang="en-US" sz="1530" i="1">
                           <a:solidFill>
                             <a:schemeClr val="tx1"/>
                           </a:solidFill>
@@ -3372,7 +3362,7 @@
                     </m:oMath>
                   </m:oMathPara>
                 </a14:m>
-                <a:endParaRPr lang="en-US" baseline="-25000" dirty="0">
+                <a:endParaRPr lang="en-US" sz="1530" baseline="-25000" dirty="0">
                   <a:solidFill>
                     <a:schemeClr val="tx1"/>
                   </a:solidFill>
@@ -3382,7 +3372,7 @@
             </p:txBody>
           </p:sp>
         </mc:Choice>
-        <mc:Fallback xmlns="">
+        <mc:Fallback>
           <p:sp>
             <p:nvSpPr>
               <p:cNvPr id="30" name="流程图: 文档 29"/>
@@ -3393,8 +3383,8 @@
             </p:nvSpPr>
             <p:spPr>
               <a:xfrm>
-                <a:off x="942737" y="2127163"/>
-                <a:ext cx="751950" cy="439720"/>
+                <a:off x="1085437" y="1547966"/>
+                <a:ext cx="548640" cy="365760"/>
               </a:xfrm>
               <a:prstGeom prst="flowChartDocument">
                 <a:avLst/>
@@ -3437,8 +3427,8 @@
         </p:nvCxnSpPr>
         <p:spPr>
           <a:xfrm>
-            <a:off x="1318712" y="2537813"/>
-            <a:ext cx="1936060" cy="379570"/>
+            <a:off x="1359757" y="1889545"/>
+            <a:ext cx="1158278" cy="333274"/>
           </a:xfrm>
           <a:prstGeom prst="straightConnector1">
             <a:avLst/>
@@ -3476,8 +3466,8 @@
         </p:nvCxnSpPr>
         <p:spPr>
           <a:xfrm flipH="1">
-            <a:off x="3254772" y="2538443"/>
-            <a:ext cx="1929644" cy="378940"/>
+            <a:off x="2518035" y="1889545"/>
+            <a:ext cx="1151562" cy="333274"/>
           </a:xfrm>
           <a:prstGeom prst="straightConnector1">
             <a:avLst/>
@@ -3504,8 +3494,8 @@
           </a:fontRef>
         </p:style>
       </p:cxnSp>
-      <mc:AlternateContent xmlns:mc="http://schemas.openxmlformats.org/markup-compatibility/2006" xmlns:a14="http://schemas.microsoft.com/office/drawing/2010/main">
-        <mc:Choice Requires="a14">
+      <mc:AlternateContent xmlns:mc="http://schemas.openxmlformats.org/markup-compatibility/2006">
+        <mc:Choice xmlns:a14="http://schemas.microsoft.com/office/drawing/2010/main" Requires="a14">
           <p:sp>
             <p:nvSpPr>
               <p:cNvPr id="36" name="流程图: 文档 35"/>
@@ -3514,16 +3504,14 @@
             </p:nvSpPr>
             <p:spPr>
               <a:xfrm>
-                <a:off x="4808441" y="2127793"/>
-                <a:ext cx="751950" cy="439720"/>
+                <a:off x="3395277" y="1547966"/>
+                <a:ext cx="548640" cy="365760"/>
               </a:xfrm>
               <a:prstGeom prst="flowChartDocument">
                 <a:avLst/>
               </a:prstGeom>
               <a:solidFill>
-                <a:schemeClr val="bg2">
-                  <a:lumMod val="90000"/>
-                </a:schemeClr>
+                <a:schemeClr val="bg2"/>
               </a:solidFill>
               <a:ln w="28575">
                 <a:solidFill>
@@ -3559,7 +3547,7 @@
                     </m:oMathParaPr>
                     <m:oMath xmlns:m="http://schemas.openxmlformats.org/officeDocument/2006/math">
                       <m:r>
-                        <a:rPr lang="en-US" b="0" i="1" smtClean="0">
+                        <a:rPr lang="en-US" sz="1530" i="1">
                           <a:solidFill>
                             <a:schemeClr val="tx1"/>
                           </a:solidFill>
@@ -3570,7 +3558,7 @@
                     </m:oMath>
                   </m:oMathPara>
                 </a14:m>
-                <a:endParaRPr lang="en-US" baseline="-25000" dirty="0">
+                <a:endParaRPr lang="en-US" sz="1530" baseline="-25000" dirty="0">
                   <a:solidFill>
                     <a:schemeClr val="tx1"/>
                   </a:solidFill>
@@ -3580,7 +3568,7 @@
             </p:txBody>
           </p:sp>
         </mc:Choice>
-        <mc:Fallback xmlns="">
+        <mc:Fallback>
           <p:sp>
             <p:nvSpPr>
               <p:cNvPr id="36" name="流程图: 文档 35"/>
@@ -3591,8 +3579,8 @@
             </p:nvSpPr>
             <p:spPr>
               <a:xfrm>
-                <a:off x="4808441" y="2127793"/>
-                <a:ext cx="751950" cy="439720"/>
+                <a:off x="3395277" y="1547966"/>
+                <a:ext cx="548640" cy="365760"/>
               </a:xfrm>
               <a:prstGeom prst="flowChartDocument">
                 <a:avLst/>
@@ -3634,9 +3622,9 @@
           <p:nvPr/>
         </p:nvCxnSpPr>
         <p:spPr>
-          <a:xfrm>
-            <a:off x="3254772" y="3581843"/>
-            <a:ext cx="5328" cy="309838"/>
+          <a:xfrm flipH="1">
+            <a:off x="2514677" y="2680019"/>
+            <a:ext cx="3358" cy="290536"/>
           </a:xfrm>
           <a:prstGeom prst="straightConnector1">
             <a:avLst/>
@@ -3663,8 +3651,8 @@
           </a:fontRef>
         </p:style>
       </p:cxnSp>
-      <mc:AlternateContent xmlns:mc="http://schemas.openxmlformats.org/markup-compatibility/2006" xmlns:a14="http://schemas.microsoft.com/office/drawing/2010/main">
-        <mc:Choice Requires="a14">
+      <mc:AlternateContent xmlns:mc="http://schemas.openxmlformats.org/markup-compatibility/2006">
+        <mc:Choice xmlns:a14="http://schemas.microsoft.com/office/drawing/2010/main" Requires="a14">
           <p:sp>
             <p:nvSpPr>
               <p:cNvPr id="44" name="流程图: 文档 43"/>
@@ -3673,16 +3661,14 @@
             </p:nvSpPr>
             <p:spPr>
               <a:xfrm>
-                <a:off x="4277354" y="4686497"/>
-                <a:ext cx="751950" cy="439720"/>
+                <a:off x="3547339" y="3663324"/>
+                <a:ext cx="548640" cy="368381"/>
               </a:xfrm>
               <a:prstGeom prst="flowChartDocument">
                 <a:avLst/>
               </a:prstGeom>
               <a:solidFill>
-                <a:schemeClr val="bg2">
-                  <a:lumMod val="90000"/>
-                </a:schemeClr>
+                <a:schemeClr val="bg2"/>
               </a:solidFill>
               <a:ln w="28575">
                 <a:solidFill>
@@ -3718,7 +3704,7 @@
                     </m:oMathParaPr>
                     <m:oMath xmlns:m="http://schemas.openxmlformats.org/officeDocument/2006/math">
                       <m:r>
-                        <a:rPr lang="en-US" i="1">
+                        <a:rPr lang="en-US" sz="1530" i="1">
                           <a:solidFill>
                             <a:schemeClr val="tx1"/>
                           </a:solidFill>
@@ -3729,7 +3715,7 @@
                     </m:oMath>
                   </m:oMathPara>
                 </a14:m>
-                <a:endParaRPr lang="en-US" baseline="-25000" dirty="0">
+                <a:endParaRPr lang="en-US" sz="1530" baseline="-25000" dirty="0">
                   <a:solidFill>
                     <a:schemeClr val="tx1"/>
                   </a:solidFill>
@@ -3739,7 +3725,7 @@
             </p:txBody>
           </p:sp>
         </mc:Choice>
-        <mc:Fallback xmlns="">
+        <mc:Fallback>
           <p:sp>
             <p:nvSpPr>
               <p:cNvPr id="44" name="流程图: 文档 43"/>
@@ -3750,8 +3736,8 @@
             </p:nvSpPr>
             <p:spPr>
               <a:xfrm>
-                <a:off x="4277354" y="4686497"/>
-                <a:ext cx="751950" cy="439720"/>
+                <a:off x="3547339" y="3663324"/>
+                <a:ext cx="548640" cy="368381"/>
               </a:xfrm>
               <a:prstGeom prst="flowChartDocument">
                 <a:avLst/>
@@ -3794,8 +3780,8 @@
         </p:nvCxnSpPr>
         <p:spPr>
           <a:xfrm flipH="1">
-            <a:off x="3254772" y="4302331"/>
-            <a:ext cx="5328" cy="342416"/>
+            <a:off x="2510461" y="3312134"/>
+            <a:ext cx="4216" cy="273762"/>
           </a:xfrm>
           <a:prstGeom prst="straightConnector1">
             <a:avLst/>
@@ -3831,9 +3817,9 @@
           <p:nvPr/>
         </p:nvCxnSpPr>
         <p:spPr>
-          <a:xfrm flipH="1">
-            <a:off x="3914034" y="4906362"/>
-            <a:ext cx="363325" cy="1"/>
+          <a:xfrm flipH="1" flipV="1">
+            <a:off x="3018607" y="3847506"/>
+            <a:ext cx="528732" cy="8"/>
           </a:xfrm>
           <a:prstGeom prst="straightConnector1">
             <a:avLst/>
@@ -3860,8 +3846,8 @@
           </a:fontRef>
         </p:style>
       </p:cxnSp>
-      <mc:AlternateContent xmlns:mc="http://schemas.openxmlformats.org/markup-compatibility/2006" xmlns:a14="http://schemas.microsoft.com/office/drawing/2010/main">
-        <mc:Choice Requires="a14">
+      <mc:AlternateContent xmlns:mc="http://schemas.openxmlformats.org/markup-compatibility/2006">
+        <mc:Choice xmlns:a14="http://schemas.microsoft.com/office/drawing/2010/main" Requires="a14">
           <p:sp>
             <p:nvSpPr>
               <p:cNvPr id="56" name="圆角矩形 55"/>
@@ -3870,8 +3856,8 @@
             </p:nvSpPr>
             <p:spPr>
               <a:xfrm>
-                <a:off x="897040" y="5645373"/>
-                <a:ext cx="1774030" cy="691902"/>
+                <a:off x="638025" y="4447477"/>
+                <a:ext cx="1506985" cy="457200"/>
               </a:xfrm>
               <a:prstGeom prst="roundRect">
                 <a:avLst/>
@@ -3910,7 +3896,7 @@
               <a:p>
                 <a:pPr algn="ctr"/>
                 <a:r>
-                  <a:rPr lang="en-US" dirty="0" smtClean="0">
+                  <a:rPr lang="en-US" sz="1530" dirty="0">
                     <a:solidFill>
                       <a:schemeClr val="tx1"/>
                     </a:solidFill>
@@ -3922,7 +3908,7 @@
               <a:p>
                 <a:pPr algn="ctr"/>
                 <a:r>
-                  <a:rPr lang="en-US" dirty="0" smtClean="0">
+                  <a:rPr lang="en-US" sz="1530" dirty="0">
                     <a:solidFill>
                       <a:schemeClr val="tx1"/>
                     </a:solidFill>
@@ -3936,7 +3922,7 @@
                       <m:accPr>
                         <m:chr m:val="̅"/>
                         <m:ctrlPr>
-                          <a:rPr lang="en-US" i="1" smtClean="0">
+                          <a:rPr lang="en-US" sz="1530" i="1">
                             <a:solidFill>
                               <a:schemeClr val="tx1"/>
                             </a:solidFill>
@@ -3946,7 +3932,7 @@
                       </m:accPr>
                       <m:e>
                         <m:r>
-                          <a:rPr lang="en-US" b="0" i="1" smtClean="0">
+                          <a:rPr lang="en-US" sz="1530" i="1">
                             <a:solidFill>
                               <a:schemeClr val="tx1"/>
                             </a:solidFill>
@@ -3957,7 +3943,7 @@
                       </m:e>
                     </m:acc>
                     <m:r>
-                      <a:rPr lang="en-US" b="0" i="1" smtClean="0">
+                      <a:rPr lang="en-US" sz="1530" i="1">
                         <a:solidFill>
                           <a:schemeClr val="tx1"/>
                         </a:solidFill>
@@ -3966,7 +3952,7 @@
                       <m:t>/</m:t>
                     </m:r>
                     <m:r>
-                      <a:rPr lang="en-US" b="0" i="1" smtClean="0">
+                      <a:rPr lang="en-US" sz="1530" i="1">
                         <a:solidFill>
                           <a:schemeClr val="tx1"/>
                         </a:solidFill>
@@ -3977,7 +3963,7 @@
                   </m:oMath>
                 </a14:m>
                 <a:r>
-                  <a:rPr lang="en-US" dirty="0" smtClean="0">
+                  <a:rPr lang="en-US" sz="1530" dirty="0">
                     <a:solidFill>
                       <a:schemeClr val="tx1"/>
                     </a:solidFill>
@@ -3985,17 +3971,11 @@
                   </a:rPr>
                   <a:t>)</a:t>
                 </a:r>
-                <a:endParaRPr lang="en-US" dirty="0">
-                  <a:solidFill>
-                    <a:schemeClr val="tx1"/>
-                  </a:solidFill>
-                  <a:latin typeface="Palatino Linotype" panose="02040502050505030304" pitchFamily="18" charset="0"/>
-                </a:endParaRPr>
               </a:p>
             </p:txBody>
           </p:sp>
         </mc:Choice>
-        <mc:Fallback xmlns="">
+        <mc:Fallback>
           <p:sp>
             <p:nvSpPr>
               <p:cNvPr id="56" name="圆角矩形 55"/>
@@ -4006,8 +3986,8 @@
             </p:nvSpPr>
             <p:spPr>
               <a:xfrm>
-                <a:off x="897040" y="5645373"/>
-                <a:ext cx="1774030" cy="691902"/>
+                <a:off x="638025" y="4447477"/>
+                <a:ext cx="1506985" cy="457200"/>
               </a:xfrm>
               <a:prstGeom prst="roundRect">
                 <a:avLst/>
@@ -4015,7 +3995,7 @@
               <a:blipFill>
                 <a:blip r:embed="rId7"/>
                 <a:stretch>
-                  <a:fillRect b="-6723"/>
+                  <a:fillRect t="-10000" b="-21250"/>
                 </a:stretch>
               </a:blipFill>
               <a:ln w="28575">
@@ -4039,8 +4019,8 @@
           </p:sp>
         </mc:Fallback>
       </mc:AlternateContent>
-      <mc:AlternateContent xmlns:mc="http://schemas.openxmlformats.org/markup-compatibility/2006" xmlns:a14="http://schemas.microsoft.com/office/drawing/2010/main">
-        <mc:Choice Requires="a14">
+      <mc:AlternateContent xmlns:mc="http://schemas.openxmlformats.org/markup-compatibility/2006">
+        <mc:Choice xmlns:a14="http://schemas.microsoft.com/office/drawing/2010/main" Requires="a14">
           <p:sp>
             <p:nvSpPr>
               <p:cNvPr id="58" name="圆角矩形 57"/>
@@ -4049,8 +4029,8 @@
             </p:nvSpPr>
             <p:spPr>
               <a:xfrm>
-                <a:off x="3804839" y="5642825"/>
-                <a:ext cx="1693612" cy="690291"/>
+                <a:off x="2888654" y="4444356"/>
+                <a:ext cx="1509294" cy="457200"/>
               </a:xfrm>
               <a:prstGeom prst="roundRect">
                 <a:avLst/>
@@ -4089,7 +4069,7 @@
               <a:p>
                 <a:pPr algn="ctr"/>
                 <a:r>
-                  <a:rPr lang="en-US" altLang="zh-CN" dirty="0" smtClean="0">
+                  <a:rPr lang="en-US" altLang="zh-CN" sz="1530" dirty="0">
                     <a:solidFill>
                       <a:schemeClr val="tx1"/>
                     </a:solidFill>
@@ -4101,7 +4081,7 @@
               <a:p>
                 <a:pPr algn="ctr"/>
                 <a:r>
-                  <a:rPr lang="en-US" altLang="zh-CN" dirty="0" smtClean="0">
+                  <a:rPr lang="en-US" altLang="zh-CN" sz="1530" dirty="0">
                     <a:solidFill>
                       <a:schemeClr val="tx1"/>
                     </a:solidFill>
@@ -4115,7 +4095,7 @@
                       <m:accPr>
                         <m:chr m:val="̅"/>
                         <m:ctrlPr>
-                          <a:rPr lang="en-US" i="1">
+                          <a:rPr lang="en-US" sz="1530" i="1">
                             <a:solidFill>
                               <a:schemeClr val="tx1"/>
                             </a:solidFill>
@@ -4125,7 +4105,7 @@
                       </m:accPr>
                       <m:e>
                         <m:r>
-                          <a:rPr lang="en-US" i="1">
+                          <a:rPr lang="en-US" sz="1530" i="1">
                             <a:solidFill>
                               <a:schemeClr val="tx1"/>
                             </a:solidFill>
@@ -4136,7 +4116,7 @@
                       </m:e>
                     </m:acc>
                     <m:r>
-                      <a:rPr lang="en-US" b="0" i="1" smtClean="0">
+                      <a:rPr lang="en-US" sz="1530" i="1">
                         <a:solidFill>
                           <a:schemeClr val="tx1"/>
                         </a:solidFill>
@@ -4145,7 +4125,7 @@
                       <m:t>/</m:t>
                     </m:r>
                     <m:r>
-                      <a:rPr lang="en-US" b="0" i="1" smtClean="0">
+                      <a:rPr lang="en-US" sz="1530" i="1">
                         <a:solidFill>
                           <a:schemeClr val="tx1"/>
                         </a:solidFill>
@@ -4156,7 +4136,7 @@
                   </m:oMath>
                 </a14:m>
                 <a:r>
-                  <a:rPr lang="en-US" altLang="zh-CN" dirty="0" smtClean="0">
+                  <a:rPr lang="en-US" altLang="zh-CN" sz="1530" dirty="0">
                     <a:solidFill>
                       <a:schemeClr val="tx1"/>
                     </a:solidFill>
@@ -4167,7 +4147,7 @@
                 <a14:m>
                   <m:oMath xmlns:m="http://schemas.openxmlformats.org/officeDocument/2006/math">
                     <m:r>
-                      <a:rPr lang="en-US" altLang="zh-CN" b="0" i="1" dirty="0" smtClean="0">
+                      <a:rPr lang="en-US" altLang="zh-CN" sz="1530" i="1" dirty="0">
                         <a:solidFill>
                           <a:schemeClr val="tx1"/>
                         </a:solidFill>
@@ -4178,7 +4158,7 @@
                   </m:oMath>
                 </a14:m>
                 <a:r>
-                  <a:rPr lang="en-US" altLang="zh-CN" dirty="0" smtClean="0">
+                  <a:rPr lang="en-US" altLang="zh-CN" sz="1530" dirty="0">
                     <a:solidFill>
                       <a:schemeClr val="tx1"/>
                     </a:solidFill>
@@ -4186,17 +4166,11 @@
                   </a:rPr>
                   <a:t>)</a:t>
                 </a:r>
-                <a:endParaRPr lang="en-US" altLang="zh-CN" dirty="0">
-                  <a:solidFill>
-                    <a:schemeClr val="tx1"/>
-                  </a:solidFill>
-                  <a:latin typeface="Palatino Linotype" panose="02040502050505030304" pitchFamily="18" charset="0"/>
-                </a:endParaRPr>
               </a:p>
             </p:txBody>
           </p:sp>
         </mc:Choice>
-        <mc:Fallback xmlns="">
+        <mc:Fallback>
           <p:sp>
             <p:nvSpPr>
               <p:cNvPr id="58" name="圆角矩形 57"/>
@@ -4207,8 +4181,8 @@
             </p:nvSpPr>
             <p:spPr>
               <a:xfrm>
-                <a:off x="3804839" y="5642825"/>
-                <a:ext cx="1693612" cy="690291"/>
+                <a:off x="2888654" y="4444356"/>
+                <a:ext cx="1509294" cy="457200"/>
               </a:xfrm>
               <a:prstGeom prst="roundRect">
                 <a:avLst/>
@@ -4216,7 +4190,7 @@
               <a:blipFill>
                 <a:blip r:embed="rId8"/>
                 <a:stretch>
-                  <a:fillRect b="-7627"/>
+                  <a:fillRect t="-10000" b="-22500"/>
                 </a:stretch>
               </a:blipFill>
               <a:ln w="28575">
@@ -4248,8 +4222,8 @@
         </p:nvSpPr>
         <p:spPr>
           <a:xfrm>
-            <a:off x="1031824" y="6787624"/>
-            <a:ext cx="1359458" cy="480496"/>
+            <a:off x="704768" y="5185751"/>
+            <a:ext cx="1281086" cy="341238"/>
           </a:xfrm>
           <a:prstGeom prst="rect">
             <a:avLst/>
@@ -4261,10 +4235,8 @@
             </a:schemeClr>
           </a:solidFill>
           <a:ln w="28575">
-            <a:solidFill>
-              <a:schemeClr val="tx1"/>
-            </a:solidFill>
-            <a:prstDash val="sysDash"/>
+            <a:noFill/>
+            <a:prstDash val="solid"/>
           </a:ln>
         </p:spPr>
         <p:style>
@@ -4289,7 +4261,7 @@
           <a:p>
             <a:pPr algn="ctr"/>
             <a:r>
-              <a:rPr lang="en-US" sz="1400" dirty="0">
+              <a:rPr lang="en-US" sz="1200" dirty="0">
                 <a:solidFill>
                   <a:schemeClr val="tx1"/>
                 </a:solidFill>
@@ -4308,8 +4280,8 @@
         </p:nvSpPr>
         <p:spPr>
           <a:xfrm>
-            <a:off x="4093676" y="6774069"/>
-            <a:ext cx="1176686" cy="480496"/>
+            <a:off x="3058246" y="5200481"/>
+            <a:ext cx="1107056" cy="344734"/>
           </a:xfrm>
           <a:prstGeom prst="rect">
             <a:avLst/>
@@ -4321,10 +4293,8 @@
             </a:schemeClr>
           </a:solidFill>
           <a:ln w="28575">
-            <a:solidFill>
-              <a:schemeClr val="tx1"/>
-            </a:solidFill>
-            <a:prstDash val="sysDash"/>
+            <a:noFill/>
+            <a:prstDash val="solid"/>
           </a:ln>
         </p:spPr>
         <p:style>
@@ -4349,29 +4319,14 @@
           <a:p>
             <a:pPr algn="ctr"/>
             <a:r>
-              <a:rPr lang="en-US" sz="1400">
+              <a:rPr lang="en-US" sz="1200" dirty="0">
                 <a:solidFill>
                   <a:schemeClr val="tx1"/>
                 </a:solidFill>
                 <a:latin typeface="Palatino Linotype" panose="02040502050505030304" pitchFamily="18" charset="0"/>
               </a:rPr>
-              <a:t>Localization </a:t>
-            </a:r>
-            <a:r>
-              <a:rPr lang="en-US" sz="1400" smtClean="0">
-                <a:solidFill>
-                  <a:schemeClr val="tx1"/>
-                </a:solidFill>
-                <a:latin typeface="Palatino Linotype" panose="02040502050505030304" pitchFamily="18" charset="0"/>
-              </a:rPr>
-              <a:t>loss</a:t>
-            </a:r>
-            <a:endParaRPr lang="en-US" sz="1400" dirty="0">
-              <a:solidFill>
-                <a:schemeClr val="tx1"/>
-              </a:solidFill>
-              <a:latin typeface="Palatino Linotype" panose="02040502050505030304" pitchFamily="18" charset="0"/>
-            </a:endParaRPr>
+              <a:t>Localization loss</a:t>
+            </a:r>
           </a:p>
         </p:txBody>
       </p:sp>
@@ -4383,8 +4338,8 @@
         </p:nvSpPr>
         <p:spPr>
           <a:xfrm>
-            <a:off x="2431278" y="4644747"/>
-            <a:ext cx="1646988" cy="523220"/>
+            <a:off x="1778675" y="3585896"/>
+            <a:ext cx="1463572" cy="523220"/>
           </a:xfrm>
           <a:prstGeom prst="rect">
             <a:avLst/>
@@ -4402,29 +4357,8 @@
               <a:rPr lang="en-US" sz="1400" dirty="0">
                 <a:latin typeface="Palatino Linotype" panose="02040502050505030304" pitchFamily="18" charset="0"/>
               </a:rPr>
-              <a:t>R</a:t>
-            </a:r>
-            <a:r>
-              <a:rPr lang="en-US" sz="1400" dirty="0" smtClean="0">
-                <a:latin typeface="Palatino Linotype" panose="02040502050505030304" pitchFamily="18" charset="0"/>
-              </a:rPr>
-              <a:t>eal/completed </a:t>
-            </a:r>
-            <a:r>
-              <a:rPr lang="en-US" sz="1400" dirty="0">
-                <a:latin typeface="Palatino Linotype" panose="02040502050505030304" pitchFamily="18" charset="0"/>
-              </a:rPr>
-              <a:t>s</a:t>
-            </a:r>
-            <a:r>
-              <a:rPr lang="en-US" sz="1400" dirty="0" smtClean="0">
-                <a:latin typeface="Palatino Linotype" panose="02040502050505030304" pitchFamily="18" charset="0"/>
-              </a:rPr>
-              <a:t>amples</a:t>
-            </a:r>
-            <a:endParaRPr lang="en-US" sz="1400" dirty="0">
-              <a:latin typeface="Palatino Linotype" panose="02040502050505030304" pitchFamily="18" charset="0"/>
-            </a:endParaRPr>
+              <a:t>Real/completed samples</a:t>
+            </a:r>
           </a:p>
         </p:txBody>
       </p:sp>
@@ -4439,8 +4373,8 @@
         </p:nvCxnSpPr>
         <p:spPr>
           <a:xfrm rot="5400000">
-            <a:off x="2280711" y="4671312"/>
-            <a:ext cx="477406" cy="1470717"/>
+            <a:off x="1781814" y="3718829"/>
+            <a:ext cx="338361" cy="1118951"/>
           </a:xfrm>
           <a:prstGeom prst="bentConnector3">
             <a:avLst>
@@ -4480,8 +4414,8 @@
         </p:nvCxnSpPr>
         <p:spPr>
           <a:xfrm rot="16200000" flipH="1">
-            <a:off x="3715779" y="4706959"/>
-            <a:ext cx="474858" cy="1396873"/>
+            <a:off x="2909261" y="3710316"/>
+            <a:ext cx="335240" cy="1132840"/>
           </a:xfrm>
           <a:prstGeom prst="bentConnector3">
             <a:avLst>
@@ -4518,8 +4452,8 @@
         </p:nvCxnSpPr>
         <p:spPr>
           <a:xfrm flipV="1">
-            <a:off x="1889954" y="6318477"/>
-            <a:ext cx="0" cy="455592"/>
+            <a:off x="1553330" y="4883900"/>
+            <a:ext cx="1" cy="301752"/>
           </a:xfrm>
           <a:prstGeom prst="straightConnector1">
             <a:avLst/>
@@ -4554,82 +4488,9 @@
           <p:nvPr/>
         </p:nvCxnSpPr>
         <p:spPr>
-          <a:xfrm>
-            <a:off x="1513980" y="6351424"/>
-            <a:ext cx="0" cy="429125"/>
-          </a:xfrm>
-          <a:prstGeom prst="straightConnector1">
-            <a:avLst/>
-          </a:prstGeom>
-          <a:ln w="28575">
-            <a:solidFill>
-              <a:schemeClr val="tx1"/>
-            </a:solidFill>
-            <a:tailEnd type="stealth" w="med" len="lg"/>
-          </a:ln>
-        </p:spPr>
-        <p:style>
-          <a:lnRef idx="1">
-            <a:schemeClr val="accent1"/>
-          </a:lnRef>
-          <a:fillRef idx="0">
-            <a:schemeClr val="accent1"/>
-          </a:fillRef>
-          <a:effectRef idx="0">
-            <a:schemeClr val="accent1"/>
-          </a:effectRef>
-          <a:fontRef idx="minor">
-            <a:schemeClr val="tx1"/>
-          </a:fontRef>
-        </p:style>
-      </p:cxnSp>
-      <p:cxnSp>
-        <p:nvCxnSpPr>
-          <p:cNvPr id="95" name="直接箭头连接符 94"/>
-          <p:cNvCxnSpPr/>
-          <p:nvPr/>
-        </p:nvCxnSpPr>
-        <p:spPr>
-          <a:xfrm flipH="1" flipV="1">
-            <a:off x="4870690" y="6291368"/>
-            <a:ext cx="2761" cy="471173"/>
-          </a:xfrm>
-          <a:prstGeom prst="straightConnector1">
-            <a:avLst/>
-          </a:prstGeom>
-          <a:ln w="28575">
-            <a:solidFill>
-              <a:schemeClr val="tx1"/>
-            </a:solidFill>
-            <a:prstDash val="sysDash"/>
-            <a:tailEnd type="triangle" w="med" len="lg"/>
-          </a:ln>
-        </p:spPr>
-        <p:style>
-          <a:lnRef idx="1">
-            <a:schemeClr val="accent1"/>
-          </a:lnRef>
-          <a:fillRef idx="0">
-            <a:schemeClr val="accent1"/>
-          </a:fillRef>
-          <a:effectRef idx="0">
-            <a:schemeClr val="accent1"/>
-          </a:effectRef>
-          <a:fontRef idx="minor">
-            <a:schemeClr val="tx1"/>
-          </a:fontRef>
-        </p:style>
-      </p:cxnSp>
-      <p:cxnSp>
-        <p:nvCxnSpPr>
-          <p:cNvPr id="96" name="直接箭头连接符 95"/>
-          <p:cNvCxnSpPr/>
-          <p:nvPr/>
-        </p:nvCxnSpPr>
-        <p:spPr>
           <a:xfrm flipH="1">
-            <a:off x="4494715" y="6320564"/>
-            <a:ext cx="1" cy="453505"/>
+            <a:off x="1200637" y="4898049"/>
+            <a:ext cx="1" cy="301752"/>
           </a:xfrm>
           <a:prstGeom prst="straightConnector1">
             <a:avLst/>
@@ -4667,12 +4528,12 @@
         </p:nvCxnSpPr>
         <p:spPr>
           <a:xfrm rot="10800000" flipH="1">
-            <a:off x="897040" y="3249614"/>
-            <a:ext cx="1534238" cy="2741711"/>
+            <a:off x="638024" y="2451419"/>
+            <a:ext cx="1239931" cy="2224658"/>
           </a:xfrm>
           <a:prstGeom prst="bentConnector3">
             <a:avLst>
-              <a:gd name="adj1" fmla="val -14900"/>
+              <a:gd name="adj1" fmla="val -18437"/>
             </a:avLst>
           </a:prstGeom>
           <a:ln w="28575">
@@ -4709,12 +4570,12 @@
         </p:nvCxnSpPr>
         <p:spPr>
           <a:xfrm flipH="1" flipV="1">
-            <a:off x="4078266" y="3249613"/>
-            <a:ext cx="1420185" cy="2738358"/>
+            <a:off x="3158116" y="2451420"/>
+            <a:ext cx="1239833" cy="2221537"/>
           </a:xfrm>
           <a:prstGeom prst="bentConnector3">
             <a:avLst>
-              <a:gd name="adj1" fmla="val -16096"/>
+              <a:gd name="adj1" fmla="val -18438"/>
             </a:avLst>
           </a:prstGeom>
           <a:ln w="28575">
@@ -4750,9 +4611,9 @@
           <p:nvPr/>
         </p:nvCxnSpPr>
         <p:spPr>
-          <a:xfrm flipV="1">
-            <a:off x="3636075" y="4110208"/>
-            <a:ext cx="678168" cy="1332"/>
+          <a:xfrm>
+            <a:off x="2788997" y="3153435"/>
+            <a:ext cx="738236" cy="6578"/>
           </a:xfrm>
           <a:prstGeom prst="straightConnector1">
             <a:avLst/>
@@ -4790,8 +4651,8 @@
         </p:nvCxnSpPr>
         <p:spPr>
           <a:xfrm flipV="1">
-            <a:off x="4653328" y="4350457"/>
-            <a:ext cx="0" cy="336040"/>
+            <a:off x="3821659" y="3367047"/>
+            <a:ext cx="9844" cy="296277"/>
           </a:xfrm>
           <a:prstGeom prst="straightConnector1">
             <a:avLst/>
@@ -4826,8 +4687,8 @@
         </p:nvSpPr>
         <p:spPr>
           <a:xfrm>
-            <a:off x="4314249" y="3869960"/>
-            <a:ext cx="678169" cy="480496"/>
+            <a:off x="3527241" y="2952987"/>
+            <a:ext cx="608539" cy="414052"/>
           </a:xfrm>
           <a:prstGeom prst="rect">
             <a:avLst/>
@@ -4839,9 +4700,7 @@
             </a:schemeClr>
           </a:solidFill>
           <a:ln w="28575">
-            <a:solidFill>
-              <a:schemeClr val="tx1"/>
-            </a:solidFill>
+            <a:noFill/>
             <a:prstDash val="sysDash"/>
           </a:ln>
         </p:spPr>
@@ -4867,7 +4726,7 @@
           <a:p>
             <a:pPr algn="ctr"/>
             <a:r>
-              <a:rPr lang="en-US" sz="1400" dirty="0">
+              <a:rPr lang="en-US" sz="1200" dirty="0">
                 <a:solidFill>
                   <a:schemeClr val="tx1"/>
                 </a:solidFill>
@@ -4879,7 +4738,7 @@
           <a:p>
             <a:pPr algn="ctr"/>
             <a:r>
-              <a:rPr lang="en-US" sz="1400" dirty="0">
+              <a:rPr lang="en-US" sz="1200" dirty="0">
                 <a:solidFill>
                   <a:schemeClr val="tx1"/>
                 </a:solidFill>
@@ -4895,13 +4754,14 @@
           <p:cNvPr id="152" name="直接箭头连接符 151"/>
           <p:cNvCxnSpPr>
             <a:stCxn id="140" idx="0"/>
+            <a:endCxn id="2" idx="3"/>
           </p:cNvCxnSpPr>
           <p:nvPr/>
         </p:nvCxnSpPr>
         <p:spPr>
           <a:xfrm flipH="1" flipV="1">
-            <a:off x="4078265" y="3492340"/>
-            <a:ext cx="575069" cy="377620"/>
+            <a:off x="3158116" y="2451419"/>
+            <a:ext cx="673395" cy="501568"/>
           </a:xfrm>
           <a:prstGeom prst="straightConnector1">
             <a:avLst/>
@@ -4937,8 +4797,8 @@
         </p:nvSpPr>
         <p:spPr>
           <a:xfrm>
-            <a:off x="855701" y="4166868"/>
-            <a:ext cx="1535581" cy="490166"/>
+            <a:off x="586793" y="2923819"/>
+            <a:ext cx="1314966" cy="490166"/>
           </a:xfrm>
           <a:prstGeom prst="rect">
             <a:avLst/>
@@ -4971,7 +4831,7 @@
           <a:lstStyle/>
           <a:p>
             <a:pPr algn="ctr"/>
-            <a:endParaRPr lang="en-US" dirty="0">
+            <a:endParaRPr lang="en-US" sz="1530" dirty="0">
               <a:solidFill>
                 <a:schemeClr val="tx1"/>
               </a:solidFill>
@@ -4988,8 +4848,8 @@
         </p:nvCxnSpPr>
         <p:spPr>
           <a:xfrm flipV="1">
-            <a:off x="942737" y="4281410"/>
-            <a:ext cx="432000" cy="0"/>
+            <a:off x="628601" y="3038360"/>
+            <a:ext cx="338328" cy="0"/>
           </a:xfrm>
           <a:prstGeom prst="straightConnector1">
             <a:avLst/>
@@ -5024,8 +4884,8 @@
         </p:nvCxnSpPr>
         <p:spPr>
           <a:xfrm flipH="1">
-            <a:off x="942737" y="4532608"/>
-            <a:ext cx="432000" cy="0"/>
+            <a:off x="628601" y="3289559"/>
+            <a:ext cx="338328" cy="0"/>
           </a:xfrm>
           <a:prstGeom prst="straightConnector1">
             <a:avLst/>
@@ -5061,7 +4921,7 @@
         </p:nvSpPr>
         <p:spPr>
           <a:xfrm>
-            <a:off x="1441155" y="4133359"/>
+            <a:off x="997280" y="2910807"/>
             <a:ext cx="865943" cy="307777"/>
           </a:xfrm>
           <a:prstGeom prst="rect">
@@ -5092,7 +4952,7 @@
         </p:nvSpPr>
         <p:spPr>
           <a:xfrm>
-            <a:off x="1414733" y="4378725"/>
+            <a:off x="1008732" y="3143980"/>
             <a:ext cx="976549" cy="307777"/>
           </a:xfrm>
           <a:prstGeom prst="rect">
@@ -5123,16 +4983,14 @@
         </p:nvSpPr>
         <p:spPr>
           <a:xfrm>
-            <a:off x="832947" y="268679"/>
-            <a:ext cx="1134218" cy="760981"/>
+            <a:off x="481223" y="186542"/>
+            <a:ext cx="1188720" cy="640080"/>
           </a:xfrm>
           <a:prstGeom prst="flowChartMagneticDisk">
             <a:avLst/>
           </a:prstGeom>
           <a:solidFill>
-            <a:schemeClr val="bg2">
-              <a:lumMod val="90000"/>
-            </a:schemeClr>
+            <a:schemeClr val="bg2"/>
           </a:solidFill>
           <a:ln w="28575">
             <a:solidFill>
@@ -5183,13 +5041,14 @@
           <p:cNvPr id="231" name="直接箭头连接符 230"/>
           <p:cNvCxnSpPr>
             <a:stCxn id="230" idx="4"/>
+            <a:endCxn id="244" idx="1"/>
           </p:cNvCxnSpPr>
           <p:nvPr/>
         </p:nvCxnSpPr>
         <p:spPr>
-          <a:xfrm flipV="1">
-            <a:off x="1967171" y="647636"/>
-            <a:ext cx="2051533" cy="1528"/>
+          <a:xfrm>
+            <a:off x="1669944" y="506583"/>
+            <a:ext cx="1394891" cy="2029"/>
           </a:xfrm>
           <a:prstGeom prst="straightConnector1">
             <a:avLst/>
@@ -5224,8 +5083,8 @@
         </p:nvSpPr>
         <p:spPr>
           <a:xfrm>
-            <a:off x="2042148" y="349217"/>
-            <a:ext cx="1762691" cy="584775"/>
+            <a:off x="1483964" y="242423"/>
+            <a:ext cx="1762691" cy="523220"/>
           </a:xfrm>
           <a:prstGeom prst="rect">
             <a:avLst/>
@@ -5240,22 +5099,16 @@
           <a:p>
             <a:pPr algn="ctr"/>
             <a:r>
-              <a:rPr lang="en-US" sz="1600" dirty="0" smtClean="0">
+              <a:rPr lang="en-US" sz="1400" dirty="0">
                 <a:latin typeface="Palatino Linotype" panose="02040502050505030304" pitchFamily="18" charset="0"/>
               </a:rPr>
-              <a:t>Relative </a:t>
-            </a:r>
-            <a:r>
-              <a:rPr lang="en-US" sz="1600" dirty="0">
-                <a:latin typeface="Palatino Linotype" panose="02040502050505030304" pitchFamily="18" charset="0"/>
-              </a:rPr>
-              <a:t>coordinate space</a:t>
-            </a:r>
-          </a:p>
-        </p:txBody>
-      </p:sp>
-      <mc:AlternateContent xmlns:mc="http://schemas.openxmlformats.org/markup-compatibility/2006" xmlns:a14="http://schemas.microsoft.com/office/drawing/2010/main">
-        <mc:Choice Requires="a14">
+              <a:t>Serving-centric space</a:t>
+            </a:r>
+          </a:p>
+        </p:txBody>
+      </p:sp>
+      <mc:AlternateContent xmlns:mc="http://schemas.openxmlformats.org/markup-compatibility/2006">
+        <mc:Choice xmlns:a14="http://schemas.microsoft.com/office/drawing/2010/main" Requires="a14">
           <p:sp>
             <p:nvSpPr>
               <p:cNvPr id="244" name="流程图: 多文档 243"/>
@@ -5264,16 +5117,14 @@
             </p:nvSpPr>
             <p:spPr>
               <a:xfrm>
-                <a:off x="4093676" y="300955"/>
-                <a:ext cx="1646370" cy="758952"/>
+                <a:off x="3064834" y="188571"/>
+                <a:ext cx="1463040" cy="640080"/>
               </a:xfrm>
               <a:prstGeom prst="flowChartMultidocument">
                 <a:avLst/>
               </a:prstGeom>
               <a:solidFill>
-                <a:schemeClr val="bg2">
-                  <a:lumMod val="90000"/>
-                </a:schemeClr>
+                <a:schemeClr val="bg2"/>
               </a:solidFill>
               <a:ln w="28575">
                 <a:solidFill>
@@ -5308,7 +5159,7 @@
               <a:p>
                 <a:pPr algn="ctr"/>
                 <a:r>
-                  <a:rPr lang="en-US" sz="1400" b="1" dirty="0" smtClean="0">
+                  <a:rPr lang="en-US" sz="1400" b="1" dirty="0">
                     <a:solidFill>
                       <a:schemeClr val="tx1"/>
                     </a:solidFill>
@@ -5343,7 +5194,7 @@
                       </m:e>
                     </m:acc>
                     <m:r>
-                      <a:rPr lang="en-US" altLang="zh-CN" sz="1400" b="1" i="1" smtClean="0">
+                      <a:rPr lang="en-US" altLang="zh-CN" sz="1400" b="1" i="1">
                         <a:solidFill>
                           <a:schemeClr val="tx1"/>
                         </a:solidFill>
@@ -5352,7 +5203,7 @@
                       <m:t>,</m:t>
                     </m:r>
                     <m:r>
-                      <a:rPr lang="en-US" altLang="zh-CN" sz="1400" b="1" i="1" smtClean="0">
+                      <a:rPr lang="en-US" altLang="zh-CN" sz="1400" b="1" i="1">
                         <a:solidFill>
                           <a:schemeClr val="tx1"/>
                         </a:solidFill>
@@ -5372,7 +5223,7 @@
             </p:txBody>
           </p:sp>
         </mc:Choice>
-        <mc:Fallback xmlns="">
+        <mc:Fallback>
           <p:sp>
             <p:nvSpPr>
               <p:cNvPr id="244" name="流程图: 多文档 243"/>
@@ -5383,8 +5234,8 @@
             </p:nvSpPr>
             <p:spPr>
               <a:xfrm>
-                <a:off x="4093676" y="300955"/>
-                <a:ext cx="1646370" cy="758952"/>
+                <a:off x="3064834" y="188571"/>
+                <a:ext cx="1463040" cy="640080"/>
               </a:xfrm>
               <a:prstGeom prst="flowChartMultidocument">
                 <a:avLst/>
@@ -5392,7 +5243,7 @@
               <a:blipFill>
                 <a:blip r:embed="rId9"/>
                 <a:stretch>
-                  <a:fillRect/>
+                  <a:fillRect b="-3636"/>
                 </a:stretch>
               </a:blipFill>
               <a:ln w="28575">
@@ -5424,8 +5275,8 @@
         </p:nvSpPr>
         <p:spPr>
           <a:xfrm>
-            <a:off x="306103" y="173517"/>
-            <a:ext cx="5722238" cy="960905"/>
+            <a:off x="244781" y="127344"/>
+            <a:ext cx="4531360" cy="752805"/>
           </a:xfrm>
           <a:prstGeom prst="rect">
             <a:avLst/>
@@ -5466,7 +5317,7 @@
           <a:lstStyle/>
           <a:p>
             <a:pPr algn="ctr"/>
-            <a:endParaRPr lang="en-US"/>
+            <a:endParaRPr lang="en-US" sz="1530"/>
           </a:p>
         </p:txBody>
       </p:sp>
@@ -5478,8 +5329,8 @@
         </p:nvSpPr>
         <p:spPr>
           <a:xfrm>
-            <a:off x="306103" y="1838844"/>
-            <a:ext cx="5722238" cy="5526597"/>
+            <a:off x="244781" y="1360880"/>
+            <a:ext cx="4531360" cy="4263281"/>
           </a:xfrm>
           <a:prstGeom prst="rect">
             <a:avLst/>
@@ -5520,7 +5371,7 @@
           <a:lstStyle/>
           <a:p>
             <a:pPr algn="ctr"/>
-            <a:endParaRPr lang="en-US"/>
+            <a:endParaRPr lang="en-US" sz="1530"/>
           </a:p>
         </p:txBody>
       </p:sp>
@@ -5532,8 +5383,8 @@
         </p:nvSpPr>
         <p:spPr>
           <a:xfrm>
-            <a:off x="363055" y="1824695"/>
-            <a:ext cx="1944043" cy="307777"/>
+            <a:off x="797765" y="1283179"/>
+            <a:ext cx="1209202" cy="276999"/>
           </a:xfrm>
           <a:prstGeom prst="rect">
             <a:avLst/>
@@ -5548,18 +5399,18 @@
           <a:p>
             <a:pPr algn="ctr"/>
             <a:r>
-              <a:rPr lang="en-US" sz="1400" b="1" dirty="0">
+              <a:rPr lang="en-US" sz="1200" b="1" dirty="0">
                 <a:latin typeface="Palatino Linotype" panose="02040502050505030304" pitchFamily="18" charset="0"/>
               </a:rPr>
               <a:t>noise </a:t>
             </a:r>
             <a:r>
-              <a:rPr lang="en-US" altLang="zh-CN" sz="1400" b="1" dirty="0" smtClean="0">
+              <a:rPr lang="en-US" altLang="zh-CN" sz="1200" b="1" dirty="0">
                 <a:latin typeface="Palatino Linotype" panose="02040502050505030304" pitchFamily="18" charset="0"/>
               </a:rPr>
               <a:t>vector</a:t>
             </a:r>
-            <a:endParaRPr lang="en-US" sz="1400" b="1" dirty="0">
+            <a:endParaRPr lang="en-US" sz="1200" b="1" dirty="0">
               <a:latin typeface="Palatino Linotype" panose="02040502050505030304" pitchFamily="18" charset="0"/>
             </a:endParaRPr>
           </a:p>
@@ -5573,8 +5424,8 @@
         </p:nvSpPr>
         <p:spPr>
           <a:xfrm>
-            <a:off x="4256930" y="1843874"/>
-            <a:ext cx="1944043" cy="307777"/>
+            <a:off x="3038451" y="1297112"/>
+            <a:ext cx="1303460" cy="276999"/>
           </a:xfrm>
           <a:prstGeom prst="rect">
             <a:avLst/>
@@ -5589,14 +5440,11 @@
           <a:p>
             <a:pPr algn="ctr"/>
             <a:r>
-              <a:rPr lang="en-US" sz="1400" b="1" dirty="0" smtClean="0">
+              <a:rPr lang="en-US" sz="1200" b="1" dirty="0">
                 <a:latin typeface="Palatino Linotype" panose="02040502050505030304" pitchFamily="18" charset="0"/>
               </a:rPr>
               <a:t>binary vector</a:t>
             </a:r>
-            <a:endParaRPr lang="en-US" sz="1400" b="1" dirty="0">
-              <a:latin typeface="Palatino Linotype" panose="02040502050505030304" pitchFamily="18" charset="0"/>
-            </a:endParaRPr>
           </a:p>
         </p:txBody>
       </p:sp>
@@ -5608,8 +5456,8 @@
         </p:nvSpPr>
         <p:spPr>
           <a:xfrm>
-            <a:off x="3066824" y="1232410"/>
-            <a:ext cx="375977" cy="562521"/>
+            <a:off x="2322473" y="929629"/>
+            <a:ext cx="375977" cy="394462"/>
           </a:xfrm>
           <a:prstGeom prst="downArrow">
             <a:avLst/>
@@ -5641,12 +5489,12 @@
           <a:lstStyle/>
           <a:p>
             <a:pPr algn="ctr"/>
-            <a:endParaRPr lang="en-US"/>
-          </a:p>
-        </p:txBody>
-      </p:sp>
-      <mc:AlternateContent xmlns:mc="http://schemas.openxmlformats.org/markup-compatibility/2006" xmlns:a14="http://schemas.microsoft.com/office/drawing/2010/main">
-        <mc:Choice Requires="a14">
+            <a:endParaRPr lang="en-US" sz="1530"/>
+          </a:p>
+        </p:txBody>
+      </p:sp>
+      <mc:AlternateContent xmlns:mc="http://schemas.openxmlformats.org/markup-compatibility/2006">
+        <mc:Choice xmlns:a14="http://schemas.microsoft.com/office/drawing/2010/main" Requires="a14">
           <p:sp>
             <p:nvSpPr>
               <p:cNvPr id="255" name="流程图: 文档 254"/>
@@ -5655,16 +5503,14 @@
             </p:nvSpPr>
             <p:spPr>
               <a:xfrm>
-                <a:off x="2878837" y="2127163"/>
-                <a:ext cx="751950" cy="439720"/>
+                <a:off x="2240357" y="1573672"/>
+                <a:ext cx="548640" cy="365760"/>
               </a:xfrm>
               <a:prstGeom prst="flowChartDocument">
                 <a:avLst/>
               </a:prstGeom>
               <a:solidFill>
-                <a:schemeClr val="bg2">
-                  <a:lumMod val="90000"/>
-                </a:schemeClr>
+                <a:schemeClr val="bg2"/>
               </a:solidFill>
               <a:ln w="28575">
                 <a:solidFill>
@@ -5703,7 +5549,7 @@
                         <m:accPr>
                           <m:chr m:val="̂"/>
                           <m:ctrlPr>
-                            <a:rPr lang="en-US" i="1">
+                            <a:rPr lang="en-US" sz="1530" i="1">
                               <a:solidFill>
                                 <a:schemeClr val="tx1"/>
                               </a:solidFill>
@@ -5713,7 +5559,7 @@
                         </m:accPr>
                         <m:e>
                           <m:r>
-                            <a:rPr lang="en-US" i="1">
+                            <a:rPr lang="en-US" sz="1530" i="1">
                               <a:solidFill>
                                 <a:schemeClr val="tx1"/>
                               </a:solidFill>
@@ -5726,7 +5572,7 @@
                     </m:oMath>
                   </m:oMathPara>
                 </a14:m>
-                <a:endParaRPr lang="en-US" baseline="-25000" dirty="0">
+                <a:endParaRPr lang="en-US" sz="1530" baseline="-25000" dirty="0">
                   <a:solidFill>
                     <a:schemeClr val="tx1"/>
                   </a:solidFill>
@@ -5736,7 +5582,7 @@
             </p:txBody>
           </p:sp>
         </mc:Choice>
-        <mc:Fallback xmlns="">
+        <mc:Fallback>
           <p:sp>
             <p:nvSpPr>
               <p:cNvPr id="255" name="流程图: 文档 254"/>
@@ -5747,8 +5593,8 @@
             </p:nvSpPr>
             <p:spPr>
               <a:xfrm>
-                <a:off x="2878837" y="2127163"/>
-                <a:ext cx="751950" cy="439720"/>
+                <a:off x="2240357" y="1573672"/>
+                <a:ext cx="548640" cy="365760"/>
               </a:xfrm>
               <a:prstGeom prst="flowChartDocument">
                 <a:avLst/>
@@ -5756,7 +5602,7 @@
               <a:blipFill>
                 <a:blip r:embed="rId10"/>
                 <a:stretch>
-                  <a:fillRect t="-2597" r="-20155"/>
+                  <a:fillRect t="-1538" r="-13684"/>
                 </a:stretch>
               </a:blipFill>
               <a:ln w="28575">
@@ -5790,9 +5636,9 @@
           <p:nvPr/>
         </p:nvCxnSpPr>
         <p:spPr>
-          <a:xfrm flipH="1">
-            <a:off x="3254772" y="2537813"/>
-            <a:ext cx="40" cy="379570"/>
+          <a:xfrm>
+            <a:off x="2514677" y="1915251"/>
+            <a:ext cx="3358" cy="307568"/>
           </a:xfrm>
           <a:prstGeom prst="straightConnector1">
             <a:avLst/>
@@ -5827,7 +5673,7 @@
         </p:nvSpPr>
         <p:spPr>
           <a:xfrm>
-            <a:off x="222916" y="1166599"/>
+            <a:off x="156545" y="866962"/>
             <a:ext cx="1529586" cy="338554"/>
           </a:xfrm>
           <a:prstGeom prst="rect">
@@ -5842,14 +5688,11 @@
           <a:lstStyle/>
           <a:p>
             <a:r>
-              <a:rPr lang="en-US" sz="1600" dirty="0" smtClean="0">
+              <a:rPr lang="en-US" sz="1530" dirty="0">
                 <a:latin typeface="Palatino Linotype" panose="02040502050505030304" pitchFamily="18" charset="0"/>
               </a:rPr>
               <a:t>Pre-processing</a:t>
             </a:r>
-            <a:endParaRPr lang="en-US" sz="1600" dirty="0">
-              <a:latin typeface="Palatino Linotype" panose="02040502050505030304" pitchFamily="18" charset="0"/>
-            </a:endParaRPr>
           </a:p>
         </p:txBody>
       </p:sp>
@@ -5861,8 +5704,8 @@
         </p:nvSpPr>
         <p:spPr>
           <a:xfrm>
-            <a:off x="4078265" y="1468264"/>
-            <a:ext cx="2059859" cy="338554"/>
+            <a:off x="2801573" y="1057761"/>
+            <a:ext cx="1978298" cy="327782"/>
           </a:xfrm>
           <a:prstGeom prst="rect">
             <a:avLst/>
@@ -5876,17 +5719,87 @@
           <a:lstStyle/>
           <a:p>
             <a:r>
-              <a:rPr lang="en-US" sz="1600" dirty="0" smtClean="0">
+              <a:rPr lang="en-US" sz="1530" dirty="0">
                 <a:latin typeface="Palatino Linotype" panose="02040502050505030304" pitchFamily="18" charset="0"/>
               </a:rPr>
               <a:t>Adversarial learning</a:t>
             </a:r>
-            <a:endParaRPr lang="en-US" sz="1600" dirty="0">
-              <a:latin typeface="Palatino Linotype" panose="02040502050505030304" pitchFamily="18" charset="0"/>
-            </a:endParaRPr>
-          </a:p>
-        </p:txBody>
-      </p:sp>
+          </a:p>
+        </p:txBody>
+      </p:sp>
+      <p:cxnSp>
+        <p:nvCxnSpPr>
+          <p:cNvPr id="92" name="直接箭头连接符 87"/>
+          <p:cNvCxnSpPr/>
+          <p:nvPr/>
+        </p:nvCxnSpPr>
+        <p:spPr>
+          <a:xfrm flipV="1">
+            <a:off x="3831511" y="4895371"/>
+            <a:ext cx="1" cy="301752"/>
+          </a:xfrm>
+          <a:prstGeom prst="straightConnector1">
+            <a:avLst/>
+          </a:prstGeom>
+          <a:ln w="28575">
+            <a:solidFill>
+              <a:schemeClr val="tx1"/>
+            </a:solidFill>
+            <a:prstDash val="sysDash"/>
+            <a:tailEnd type="triangle" w="med" len="lg"/>
+          </a:ln>
+        </p:spPr>
+        <p:style>
+          <a:lnRef idx="1">
+            <a:schemeClr val="accent1"/>
+          </a:lnRef>
+          <a:fillRef idx="0">
+            <a:schemeClr val="accent1"/>
+          </a:fillRef>
+          <a:effectRef idx="0">
+            <a:schemeClr val="accent1"/>
+          </a:effectRef>
+          <a:fontRef idx="minor">
+            <a:schemeClr val="tx1"/>
+          </a:fontRef>
+        </p:style>
+      </p:cxnSp>
+      <p:cxnSp>
+        <p:nvCxnSpPr>
+          <p:cNvPr id="93" name="直接箭头连接符 88"/>
+          <p:cNvCxnSpPr/>
+          <p:nvPr/>
+        </p:nvCxnSpPr>
+        <p:spPr>
+          <a:xfrm flipH="1">
+            <a:off x="3478818" y="4909520"/>
+            <a:ext cx="1" cy="301752"/>
+          </a:xfrm>
+          <a:prstGeom prst="straightConnector1">
+            <a:avLst/>
+          </a:prstGeom>
+          <a:ln w="28575">
+            <a:solidFill>
+              <a:schemeClr val="tx1"/>
+            </a:solidFill>
+            <a:tailEnd type="stealth" w="med" len="lg"/>
+          </a:ln>
+        </p:spPr>
+        <p:style>
+          <a:lnRef idx="1">
+            <a:schemeClr val="accent1"/>
+          </a:lnRef>
+          <a:fillRef idx="0">
+            <a:schemeClr val="accent1"/>
+          </a:fillRef>
+          <a:effectRef idx="0">
+            <a:schemeClr val="accent1"/>
+          </a:effectRef>
+          <a:fontRef idx="minor">
+            <a:schemeClr val="tx1"/>
+          </a:fontRef>
+        </p:style>
+      </p:cxnSp>
     </p:spTree>
     <p:extLst>
       <p:ext uri="{BB962C8B-B14F-4D97-AF65-F5344CB8AC3E}">
@@ -5903,7 +5816,7 @@
 <file path=ppt/theme/theme1.xml><?xml version="1.0" encoding="utf-8"?>
 <a:theme xmlns:a="http://schemas.openxmlformats.org/drawingml/2006/main" name="Office 主题​​">
   <a:themeElements>
-    <a:clrScheme name="Office 主题​​">
+    <a:clrScheme name="Office Theme">
       <a:dk1>
         <a:sysClr val="windowText" lastClr="000000"/>
       </a:dk1>
@@ -5941,7 +5854,7 @@
         <a:srgbClr val="954F72"/>
       </a:folHlink>
     </a:clrScheme>
-    <a:fontScheme name="Office 主题​​">
+    <a:fontScheme name="Office Theme">
       <a:majorFont>
         <a:latin typeface="Calibri Light" panose="020F0302020204030204"/>
         <a:ea typeface=""/>
@@ -6013,7 +5926,7 @@
         <a:font script="Geor" typeface="Sylfaen"/>
       </a:minorFont>
     </a:fontScheme>
-    <a:fmtScheme name="Office 主题​​">
+    <a:fmtScheme name="Office Theme">
       <a:fillStyleLst>
         <a:solidFill>
           <a:schemeClr val="phClr"/>
